--- a/help/data-sheets/assets/DMeBusinessSupportDatasheet_2022.pptx
+++ b/help/data-sheets/assets/DMeBusinessSupportDatasheet_2022.pptx
@@ -549,7 +549,7 @@
           <a:p>
             <a:fld id="{FB81873C-0B24-F04A-98A1-90E0A78F7E8A}" type="datetimeFigureOut">
               <a:rPr lang="en-US" smtClean="0"/>
-              <a:t>3/3/2022</a:t>
+              <a:t>3/24/22</a:t>
             </a:fld>
             <a:endParaRPr lang="en-US"/>
           </a:p>
@@ -1172,7 +1172,7 @@
           <a:p>
             <a:fld id="{1D8BD707-D9CF-40AE-B4C6-C98DA3205C09}" type="datetimeFigureOut">
               <a:rPr lang="en-US"/>
-              <a:t>3/3/2022</a:t>
+              <a:t>3/24/22</a:t>
             </a:fld>
             <a:endParaRPr lang="en-US"/>
           </a:p>
@@ -1334,7 +1334,7 @@
           <a:p>
             <a:fld id="{1D8BD707-D9CF-40AE-B4C6-C98DA3205C09}" type="datetimeFigureOut">
               <a:rPr lang="en-US"/>
-              <a:t>3/3/2022</a:t>
+              <a:t>3/24/22</a:t>
             </a:fld>
             <a:endParaRPr lang="en-US"/>
           </a:p>
@@ -1652,7 +1652,7 @@
           <a:p>
             <a:fld id="{1D8BD707-D9CF-40AE-B4C6-C98DA3205C09}" type="datetimeFigureOut">
               <a:rPr lang="en-US"/>
-              <a:t>3/3/2022</a:t>
+              <a:t>3/24/22</a:t>
             </a:fld>
             <a:endParaRPr lang="en-US"/>
           </a:p>
@@ -1898,7 +1898,7 @@
               </a:spcBef>
             </a:pPr>
             <a:r>
-              <a:rPr sz="1400" b="1" u="heavy" spc="10" dirty="0">
+              <a:rPr lang="ja-jp" sz="1400" b="1" u="heavy" spc="10" dirty="0">
                 <a:solidFill>
                   <a:srgbClr val="020302"/>
                 </a:solidFill>
@@ -1910,10 +1910,10 @@
                 <a:latin typeface="Adobe Clean"/>
                 <a:cs typeface="Adobe Clean"/>
               </a:rPr>
-              <a:t>Service </a:t>
-            </a:r>
-            <a:r>
-              <a:rPr sz="1400" b="1" u="heavy" spc="-10" dirty="0">
+              <a:t>服务</a:t>
+            </a:r>
+            <a:r>
+              <a:rPr lang="ja-jp" sz="1400" b="1" u="heavy" spc="-10" dirty="0">
                 <a:solidFill>
                   <a:srgbClr val="020302"/>
                 </a:solidFill>
@@ -1925,10 +1925,10 @@
                 <a:latin typeface="Adobe Clean"/>
                 <a:cs typeface="Adobe Clean"/>
               </a:rPr>
-              <a:t>Level </a:t>
-            </a:r>
-            <a:r>
-              <a:rPr sz="1400" b="1" u="heavy" spc="-45" dirty="0">
+              <a:t>水平</a:t>
+            </a:r>
+            <a:r>
+              <a:rPr lang="ja-jp" sz="1400" b="1" u="heavy" spc="-45" dirty="0">
                 <a:solidFill>
                   <a:srgbClr val="020302"/>
                 </a:solidFill>
@@ -1940,10 +1940,10 @@
                 <a:latin typeface="Adobe Clean"/>
                 <a:cs typeface="Adobe Clean"/>
               </a:rPr>
-              <a:t>Targets: </a:t>
-            </a:r>
-            <a:r>
-              <a:rPr sz="1400" b="1" u="heavy" spc="-10" dirty="0">
+              <a:t>目标：</a:t>
+            </a:r>
+            <a:r>
+              <a:rPr lang="ja-jp" sz="1400" b="1" u="heavy" spc="-10" dirty="0">
                 <a:solidFill>
                   <a:srgbClr val="020302"/>
                 </a:solidFill>
@@ -1955,10 +1955,10 @@
                 <a:latin typeface="Adobe Clean"/>
                 <a:cs typeface="Adobe Clean"/>
               </a:rPr>
-              <a:t>Initial</a:t>
-            </a:r>
-            <a:r>
-              <a:rPr sz="1400" b="1" u="heavy" spc="-140" dirty="0">
+              <a:t>初始</a:t>
+            </a:r>
+            <a:r>
+              <a:rPr lang="ja-jp" sz="1400" b="1" u="heavy" spc="-15" dirty="0">
                 <a:solidFill>
                   <a:srgbClr val="020302"/>
                 </a:solidFill>
@@ -1970,22 +1970,7 @@
                 <a:latin typeface="Adobe Clean"/>
                 <a:cs typeface="Adobe Clean"/>
               </a:rPr>
-              <a:t> </a:t>
-            </a:r>
-            <a:r>
-              <a:rPr sz="1400" b="1" u="heavy" spc="-15" dirty="0">
-                <a:solidFill>
-                  <a:srgbClr val="020302"/>
-                </a:solidFill>
-                <a:uFill>
-                  <a:solidFill>
-                    <a:srgbClr val="020302"/>
-                  </a:solidFill>
-                </a:uFill>
-                <a:latin typeface="Adobe Clean"/>
-                <a:cs typeface="Adobe Clean"/>
-              </a:rPr>
-              <a:t>Response</a:t>
+              <a:t>响应</a:t>
             </a:r>
             <a:endParaRPr sz="1400" dirty="0">
               <a:latin typeface="Adobe Clean"/>
@@ -2057,16 +2042,10 @@
               </a:spcBef>
             </a:pPr>
             <a:r>
-              <a:rPr sz="2300" dirty="0">
+              <a:rPr lang="ja-jp" sz="2300" dirty="0">
                 <a:latin typeface="Adobe Clean" panose="020B0503020404020204" pitchFamily="34" charset="0"/>
               </a:rPr>
-              <a:t>ADOBE </a:t>
-            </a:r>
-            <a:r>
-              <a:rPr lang="en-US" sz="2300" dirty="0">
-                <a:latin typeface="Adobe Clean" panose="020B0503020404020204" pitchFamily="34" charset="0"/>
-              </a:rPr>
-              <a:t>SUPPORT PLANS</a:t>
+              <a:t>Adobe 支持计划</a:t>
             </a:r>
             <a:endParaRPr sz="2300" dirty="0">
               <a:latin typeface="Adobe Clean" panose="020B0503020404020204" pitchFamily="34" charset="0"/>
@@ -2083,7 +2062,7 @@
         <p:spPr>
           <a:xfrm>
             <a:off x="121147" y="635935"/>
-            <a:ext cx="5865216" cy="1281120"/>
+            <a:ext cx="5865216" cy="973343"/>
           </a:xfrm>
           <a:prstGeom prst="rect">
             <a:avLst/>
@@ -2104,31 +2083,31 @@
               </a:spcBef>
             </a:pPr>
             <a:r>
-              <a:rPr lang="en-US" sz="1200" dirty="0">
+              <a:rPr lang="ja-jp" sz="1200" dirty="0">
                 <a:solidFill>
                   <a:schemeClr val="bg1"/>
                 </a:solidFill>
                 <a:latin typeface="Adobe Clean Light" panose="020B0303020404020204" pitchFamily="34" charset="0"/>
               </a:rPr>
-              <a:t>Standard | </a:t>
-            </a:r>
-            <a:r>
-              <a:rPr lang="en-US" sz="1200" b="1" dirty="0">
+              <a:t>标准 | </a:t>
+            </a:r>
+            <a:r>
+              <a:rPr lang="ja-jp" sz="1200" b="1" dirty="0">
                 <a:solidFill>
                   <a:schemeClr val="bg1"/>
                 </a:solidFill>
                 <a:latin typeface="Adobe Clean" panose="020B0503020404020204" pitchFamily="34" charset="0"/>
               </a:rPr>
-              <a:t>Business</a:t>
-            </a:r>
-            <a:r>
-              <a:rPr lang="en-US" sz="1200" dirty="0">
+              <a:t>商业</a:t>
+            </a:r>
+            <a:r>
+              <a:rPr lang="ja-jp" sz="1200" dirty="0">
                 <a:solidFill>
                   <a:schemeClr val="bg1"/>
                 </a:solidFill>
                 <a:latin typeface="Adobe Clean Light" panose="020B0303020404020204" pitchFamily="34" charset="0"/>
               </a:rPr>
-              <a:t> | Enterprise | Elite</a:t>
+              <a:t> | 企业 | Elite</a:t>
             </a:r>
           </a:p>
           <a:p>
@@ -2141,13 +2120,157 @@
               </a:spcBef>
             </a:pPr>
             <a:r>
-              <a:rPr lang="en-US" sz="1000" dirty="0">
+              <a:rPr lang="ja-jp" sz="1000" dirty="0">
                 <a:solidFill>
                   <a:schemeClr val="bg1"/>
                 </a:solidFill>
                 <a:latin typeface="Adobe Clean SemiLight"/>
               </a:rPr>
-              <a:t>Adobe provides a comprehensive range of technical resources to help support your business included as part of your Adobe enterprise subscription. This is enhanced with the BUSINESS support plan. BUSINESS support includes priority routing  for support cases to ensure faster connection to more senior support resources on submitted cases. BUSINESS customers also benefit from access to our technical support teams for any product query via either the telephone or the support web portal, to help protect your business at the most critical times. BUSINESS customers will be able to leverage their Account Support Lead for support case escalation management to receive regular communications and updates for your most critical of support requests.</a:t>
+              <a:t>Adobe 提供一系列技术资源来帮助支持您的</a:t>
+            </a:r>
+            <a:r>
+              <a:rPr lang="ja-jp" sz="1000">
+                <a:solidFill>
+                  <a:schemeClr val="bg1"/>
+                </a:solidFill>
+                <a:latin typeface="Adobe Clean SemiLight"/>
+              </a:rPr>
+              <a:t>业务</a:t>
+            </a:r>
+            <a:r>
+              <a:rPr lang="ja-JP" altLang="en-US" sz="1000">
+                <a:solidFill>
+                  <a:schemeClr val="bg1"/>
+                </a:solidFill>
+                <a:latin typeface="Adobe Clean SemiLight"/>
+              </a:rPr>
+              <a:t>、</a:t>
+            </a:r>
+            <a:r>
+              <a:rPr lang="ja-jp" sz="1000">
+                <a:solidFill>
+                  <a:schemeClr val="bg1"/>
+                </a:solidFill>
+                <a:latin typeface="Adobe Clean SemiLight"/>
+              </a:rPr>
+              <a:t>这</a:t>
+            </a:r>
+            <a:r>
+              <a:rPr lang="ja-jp" sz="1000" dirty="0">
+                <a:solidFill>
+                  <a:schemeClr val="bg1"/>
+                </a:solidFill>
+                <a:latin typeface="Adobe Clean SemiLight"/>
+              </a:rPr>
+              <a:t>些技术资源包含在您的 Adobe 企业订阅中。商业支持计划强化了此种支持。商业支持包括优先转接支持</a:t>
+            </a:r>
+            <a:r>
+              <a:rPr lang="ja-jp" sz="1000">
+                <a:solidFill>
+                  <a:schemeClr val="bg1"/>
+                </a:solidFill>
+                <a:latin typeface="Adobe Clean SemiLight"/>
+              </a:rPr>
+              <a:t>案例</a:t>
+            </a:r>
+            <a:r>
+              <a:rPr lang="ja-JP" altLang="en-US" sz="1000">
+                <a:solidFill>
+                  <a:schemeClr val="bg1"/>
+                </a:solidFill>
+                <a:latin typeface="Adobe Clean SemiLight"/>
+              </a:rPr>
+              <a:t>、</a:t>
+            </a:r>
+            <a:r>
+              <a:rPr lang="ja-jp" sz="1000">
+                <a:solidFill>
+                  <a:schemeClr val="bg1"/>
+                </a:solidFill>
+                <a:latin typeface="Adobe Clean SemiLight"/>
+              </a:rPr>
+              <a:t>确</a:t>
+            </a:r>
+            <a:r>
+              <a:rPr lang="ja-jp" sz="1000" dirty="0">
+                <a:solidFill>
+                  <a:schemeClr val="bg1"/>
+                </a:solidFill>
+                <a:latin typeface="Adobe Clean SemiLight"/>
+              </a:rPr>
+              <a:t>保更快地连接到已提交案例的更高级支持资源。商业客户还可以通过电话或支持门户网站联系我们的技术支持团队以进行任何产品</a:t>
+            </a:r>
+            <a:r>
+              <a:rPr lang="ja-jp" sz="1000">
+                <a:solidFill>
+                  <a:schemeClr val="bg1"/>
+                </a:solidFill>
+                <a:latin typeface="Adobe Clean SemiLight"/>
+              </a:rPr>
+              <a:t>查询</a:t>
+            </a:r>
+            <a:r>
+              <a:rPr lang="ja-JP" altLang="en-US" sz="1000">
+                <a:solidFill>
+                  <a:schemeClr val="bg1"/>
+                </a:solidFill>
+                <a:latin typeface="Adobe Clean SemiLight"/>
+              </a:rPr>
+              <a:t>、</a:t>
+            </a:r>
+            <a:r>
+              <a:rPr lang="ja-jp" sz="1000">
+                <a:solidFill>
+                  <a:schemeClr val="bg1"/>
+                </a:solidFill>
+                <a:latin typeface="Adobe Clean SemiLight"/>
+              </a:rPr>
+              <a:t>以</a:t>
+            </a:r>
+            <a:r>
+              <a:rPr lang="ja-jp" sz="1000" dirty="0">
+                <a:solidFill>
+                  <a:schemeClr val="bg1"/>
+                </a:solidFill>
+                <a:latin typeface="Adobe Clean SemiLight"/>
+              </a:rPr>
+              <a:t>便在最关键的时刻帮助保护您的业务。商业客户将能够借助其进行支持案例上报管理的客户支持</a:t>
+            </a:r>
+            <a:r>
+              <a:rPr lang="ja-jp" sz="1000">
+                <a:solidFill>
+                  <a:schemeClr val="bg1"/>
+                </a:solidFill>
+                <a:latin typeface="Adobe Clean SemiLight"/>
+              </a:rPr>
+              <a:t>主管</a:t>
+            </a:r>
+            <a:r>
+              <a:rPr lang="ja-JP" altLang="en-US" sz="1000">
+                <a:solidFill>
+                  <a:schemeClr val="bg1"/>
+                </a:solidFill>
+                <a:latin typeface="Adobe Clean SemiLight"/>
+              </a:rPr>
+              <a:t>、</a:t>
+            </a:r>
+            <a:r>
+              <a:rPr lang="ja-jp" sz="1000">
+                <a:solidFill>
+                  <a:schemeClr val="bg1"/>
+                </a:solidFill>
+                <a:latin typeface="Adobe Clean SemiLight"/>
+              </a:rPr>
+              <a:t>针</a:t>
+            </a:r>
+            <a:r>
+              <a:rPr lang="ja-jp" sz="1000" dirty="0">
+                <a:solidFill>
+                  <a:schemeClr val="bg1"/>
+                </a:solidFill>
+                <a:latin typeface="Adobe Clean SemiLight"/>
+              </a:rPr>
+              <a:t>对您最关键的支持请求定期接收通讯和最新消息。</a:t>
             </a:r>
             <a:endParaRPr lang="en-US" sz="1000" dirty="0">
               <a:solidFill>
@@ -2292,17 +2415,17 @@
                         <a:defRPr/>
                       </a:pPr>
                       <a:r>
-                        <a:rPr lang="en-US" sz="1200" spc="-20" dirty="0">
+                        <a:rPr lang="ja-jp" sz="1200" spc="-20" dirty="0">
                           <a:solidFill>
                             <a:srgbClr val="404040"/>
                           </a:solidFill>
                           <a:latin typeface="Adobe Clean"/>
                           <a:cs typeface="Adobe Clean"/>
                         </a:rPr>
-                        <a:t>Standard </a:t>
+                        <a:t>标准</a:t>
                       </a:r>
                       <a:r>
-                        <a:rPr lang="en-US" sz="1200" spc="-135" dirty="0">
+                        <a:rPr lang="ja-jp" sz="1200" spc="-135" dirty="0">
                           <a:solidFill>
                             <a:srgbClr val="404040"/>
                           </a:solidFill>
@@ -2312,14 +2435,14 @@
                         <a:t> </a:t>
                       </a:r>
                       <a:r>
-                        <a:rPr lang="en-US" sz="1200" spc="-20" dirty="0">
+                        <a:rPr lang="ja-jp" sz="1200" spc="-20" dirty="0">
                           <a:solidFill>
                             <a:srgbClr val="404040"/>
                           </a:solidFill>
                           <a:latin typeface="Adobe Clean"/>
                           <a:cs typeface="Adobe Clean"/>
                         </a:rPr>
-                        <a:t>Support</a:t>
+                        <a:t>支持</a:t>
                       </a:r>
                       <a:endParaRPr lang="en-US" sz="1200" dirty="0">
                         <a:latin typeface="Adobe Clean"/>
@@ -2365,34 +2488,14 @@
                         </a:spcBef>
                       </a:pPr>
                       <a:r>
-                        <a:rPr sz="1200" spc="-20" dirty="0">
+                        <a:rPr lang="ja-jp" sz="1200" spc="-20" dirty="0">
                           <a:solidFill>
                             <a:srgbClr val="FFFFFF"/>
                           </a:solidFill>
                           <a:latin typeface="Adobe Clean"/>
                           <a:cs typeface="Adobe Clean"/>
                         </a:rPr>
-                        <a:t>Business</a:t>
-                      </a:r>
-                      <a:r>
-                        <a:rPr lang="en-US" sz="1200" spc="-20" dirty="0">
-                          <a:solidFill>
-                            <a:srgbClr val="FFFFFF"/>
-                          </a:solidFill>
-                          <a:latin typeface="Adobe Clean"/>
-                          <a:cs typeface="Adobe Clean"/>
-                        </a:rPr>
-                        <a:t> </a:t>
-                      </a:r>
-                      <a:r>
-                        <a:rPr sz="1200" spc="-20" dirty="0">
-                          <a:solidFill>
-                            <a:srgbClr val="FFFFFF"/>
-                          </a:solidFill>
-                          <a:latin typeface="Adobe Clean"/>
-                          <a:cs typeface="Adobe Clean"/>
-                        </a:rPr>
-                        <a:t>Support</a:t>
+                        <a:t>商业支持</a:t>
                       </a:r>
                       <a:endParaRPr sz="1200" dirty="0">
                         <a:latin typeface="Adobe Clean"/>
@@ -2543,13 +2646,13 @@
                         <a:defRPr/>
                       </a:pPr>
                       <a:r>
-                        <a:rPr lang="en-US" sz="1200" b="1" i="1" dirty="0">
+                        <a:rPr lang="ja-jp" sz="1200" b="1" i="1" dirty="0">
                           <a:solidFill>
                             <a:schemeClr val="bg1"/>
                           </a:solidFill>
                           <a:latin typeface="Adobe Clean" panose="020B0503020404020204" pitchFamily="34" charset="0"/>
                         </a:rPr>
-                        <a:t>Paid Support ($)</a:t>
+                        <a:t>付费支持 ($)</a:t>
                       </a:r>
                     </a:p>
                   </a:txBody>
@@ -2613,14 +2716,14 @@
                         </a:spcBef>
                       </a:pPr>
                       <a:r>
-                        <a:rPr lang="en-US" sz="1200" b="1" i="0" spc="0" dirty="0">
+                        <a:rPr lang="ja-jp" sz="1200" b="1" i="0" spc="0" dirty="0">
                           <a:solidFill>
                             <a:schemeClr val="bg1"/>
                           </a:solidFill>
                           <a:latin typeface="Adobe Clean"/>
                           <a:cs typeface="AdobeClean-Light"/>
                         </a:rPr>
-                        <a:t>Assigned Experts</a:t>
+                        <a:t>分配的专家</a:t>
                       </a:r>
                       <a:endParaRPr sz="1200" b="1" i="0" spc="0" dirty="0">
                         <a:solidFill>
@@ -2675,14 +2778,14 @@
                         </a:spcBef>
                       </a:pPr>
                       <a:r>
-                        <a:rPr sz="1100" b="0" i="0" spc="0" dirty="0">
+                        <a:rPr lang="ja-jp" sz="1100" b="0" i="0" spc="0" dirty="0">
                           <a:solidFill>
                             <a:srgbClr val="020302"/>
                           </a:solidFill>
                           <a:latin typeface="Adobe Clean Light" panose="020B0303020404020204" pitchFamily="34" charset="0"/>
                           <a:cs typeface="AdobeClean-Light"/>
                         </a:rPr>
-                        <a:t>Account Support Lead</a:t>
+                        <a:t>客户支持主管</a:t>
                       </a:r>
                       <a:endParaRPr sz="1100" b="0" i="0" spc="0" dirty="0">
                         <a:latin typeface="Adobe Clean Light" panose="020B0303020404020204" pitchFamily="34" charset="0"/>
@@ -2772,7 +2875,7 @@
                         </a:spcBef>
                       </a:pPr>
                       <a:r>
-                        <a:rPr sz="1200" dirty="0">
+                        <a:rPr lang="ja-jp" sz="1200" dirty="0">
                           <a:solidFill>
                             <a:srgbClr val="020302"/>
                           </a:solidFill>
@@ -2846,14 +2949,14 @@
                         </a:spcBef>
                       </a:pPr>
                       <a:r>
-                        <a:rPr sz="1100" b="0" i="0" spc="0" dirty="0">
+                        <a:rPr lang="ja-jp" sz="1100" b="0" i="0" spc="0" dirty="0">
                           <a:solidFill>
                             <a:srgbClr val="020302"/>
                           </a:solidFill>
                           <a:latin typeface="Adobe Clean Light" panose="020B0303020404020204" pitchFamily="34" charset="0"/>
                           <a:cs typeface="AdobeClean-Light"/>
                         </a:rPr>
-                        <a:t>Named Support Engineer</a:t>
+                        <a:t>指定的支持工程师</a:t>
                       </a:r>
                       <a:endParaRPr sz="1100" b="0" i="0" spc="0" dirty="0">
                         <a:latin typeface="Adobe Clean Light" panose="020B0303020404020204" pitchFamily="34" charset="0"/>
@@ -2983,14 +3086,14 @@
                         </a:spcBef>
                       </a:pPr>
                       <a:r>
-                        <a:rPr sz="1100" b="0" i="0" spc="0" dirty="0">
+                        <a:rPr lang="ja-jp" sz="1100" b="0" i="0" spc="0" dirty="0">
                           <a:solidFill>
                             <a:srgbClr val="020302"/>
                           </a:solidFill>
                           <a:latin typeface="Adobe Clean Light" panose="020B0303020404020204" pitchFamily="34" charset="0"/>
                           <a:cs typeface="AdobeClean-Light"/>
                         </a:rPr>
-                        <a:t>Technical Account Manager</a:t>
+                        <a:t>技术客户经理</a:t>
                       </a:r>
                       <a:endParaRPr sz="1100" b="0" i="0" spc="0" dirty="0">
                         <a:latin typeface="Adobe Clean Light" panose="020B0303020404020204" pitchFamily="34" charset="0"/>
@@ -3126,14 +3229,14 @@
                         </a:spcBef>
                       </a:pPr>
                       <a:r>
-                        <a:rPr lang="en-US" sz="1200" b="1" i="0" spc="0" dirty="0">
+                        <a:rPr lang="ja-jp" sz="1200" b="1" i="0" spc="0" dirty="0">
                           <a:solidFill>
                             <a:schemeClr val="bg1"/>
                           </a:solidFill>
                           <a:latin typeface="Adobe Clean" panose="020B0503020404020204" pitchFamily="34" charset="0"/>
                           <a:cs typeface="AdobeClean-Light"/>
                         </a:rPr>
-                        <a:t>Support Services</a:t>
+                        <a:t>支持服务</a:t>
                       </a:r>
                       <a:endParaRPr sz="1200" b="1" i="0" spc="0" dirty="0">
                         <a:solidFill>
@@ -3191,14 +3294,14 @@
                         </a:spcBef>
                       </a:pPr>
                       <a:r>
-                        <a:rPr lang="en-US" sz="1100" b="0" i="0" spc="0" dirty="0">
+                        <a:rPr lang="ja-jp" sz="1100" b="0" i="0" spc="0" dirty="0">
                           <a:solidFill>
                             <a:srgbClr val="020302"/>
                           </a:solidFill>
                           <a:latin typeface="Adobe Clean Light" panose="020B0303020404020204" pitchFamily="34" charset="0"/>
                           <a:cs typeface="AdobeClean-Light"/>
                         </a:rPr>
-                        <a:t>24x7 Self-Help Support </a:t>
+                        <a:t>全天候自助支持</a:t>
                       </a:r>
                       <a:endParaRPr lang="en-US" sz="1100" b="0" i="0" spc="0" dirty="0">
                         <a:latin typeface="Adobe Clean Light" panose="020B0303020404020204" pitchFamily="34" charset="0"/>
@@ -3247,7 +3350,7 @@
                         </a:spcBef>
                       </a:pPr>
                       <a:r>
-                        <a:rPr sz="1200" dirty="0">
+                        <a:rPr lang="ja-jp" sz="1200" dirty="0">
                           <a:solidFill>
                             <a:srgbClr val="020302"/>
                           </a:solidFill>
@@ -3298,7 +3401,7 @@
                         </a:spcBef>
                       </a:pPr>
                       <a:r>
-                        <a:rPr sz="1200" dirty="0">
+                        <a:rPr lang="ja-jp" sz="1200" dirty="0">
                           <a:solidFill>
                             <a:srgbClr val="020302"/>
                           </a:solidFill>
@@ -3400,14 +3503,14 @@
                         </a:spcBef>
                       </a:pPr>
                       <a:r>
-                        <a:rPr lang="en-US" sz="1100" b="0" i="0" spc="0" dirty="0">
+                        <a:rPr lang="ja-jp" sz="1100" b="0" i="0" spc="0" dirty="0">
                           <a:solidFill>
                             <a:srgbClr val="020302"/>
                           </a:solidFill>
                           <a:latin typeface="Adobe Clean Light" panose="020B0303020404020204" pitchFamily="34" charset="0"/>
                           <a:cs typeface="AdobeClean-Light"/>
                         </a:rPr>
-                        <a:t>24x7 Support via Chat / Phone</a:t>
+                        <a:t>全天候会话/电话支持</a:t>
                       </a:r>
                       <a:endParaRPr sz="1100" b="0" i="0" spc="0" dirty="0">
                         <a:latin typeface="Adobe Clean Light" panose="020B0303020404020204" pitchFamily="34" charset="0"/>
@@ -3454,7 +3557,7 @@
                         </a:spcBef>
                       </a:pPr>
                       <a:r>
-                        <a:rPr lang="en-US" sz="1200" dirty="0">
+                        <a:rPr lang="ja-jp" sz="1200" dirty="0">
                           <a:solidFill>
                             <a:srgbClr val="020302"/>
                           </a:solidFill>
@@ -3503,7 +3606,7 @@
                         </a:spcBef>
                       </a:pPr>
                       <a:r>
-                        <a:rPr sz="1200" dirty="0">
+                        <a:rPr lang="ja-jp" sz="1200" dirty="0">
                           <a:solidFill>
                             <a:srgbClr val="020302"/>
                           </a:solidFill>
@@ -3614,11 +3717,11 @@
                         </a:spcBef>
                       </a:pPr>
                       <a:r>
-                        <a:rPr lang="en-US" sz="1100" b="0" i="0" spc="0" dirty="0">
+                        <a:rPr lang="ja-jp" sz="1100" b="0" i="0" spc="0" dirty="0">
                           <a:latin typeface="Adobe Clean Light" panose="020B0303020404020204" pitchFamily="34" charset="0"/>
                           <a:cs typeface="AdobeClean-Light"/>
                         </a:rPr>
-                        <a:t>Web Case Submissions </a:t>
+                        <a:t>网络案例提交</a:t>
                       </a:r>
                       <a:endParaRPr sz="1100" b="0" i="0" spc="0" dirty="0">
                         <a:latin typeface="Adobe Clean Light" panose="020B0303020404020204" pitchFamily="34" charset="0"/>
@@ -3665,7 +3768,7 @@
                         </a:spcBef>
                       </a:pPr>
                       <a:r>
-                        <a:rPr sz="1200" dirty="0">
+                        <a:rPr lang="ja-jp" sz="1200" dirty="0">
                           <a:solidFill>
                             <a:srgbClr val="020302"/>
                           </a:solidFill>
@@ -3714,7 +3817,7 @@
                         </a:spcBef>
                       </a:pPr>
                       <a:r>
-                        <a:rPr lang="en-US" sz="1200" dirty="0">
+                        <a:rPr lang="ja-jp" sz="1200" dirty="0">
                           <a:solidFill>
                             <a:srgbClr val="020302"/>
                           </a:solidFill>
@@ -3807,14 +3910,14 @@
                         </a:spcBef>
                       </a:pPr>
                       <a:r>
-                        <a:rPr lang="en-US" sz="1100" b="0" i="0" spc="0" dirty="0">
+                        <a:rPr lang="ja-jp" sz="1100" b="0" i="0" spc="0" dirty="0">
                           <a:solidFill>
                             <a:srgbClr val="020302"/>
                           </a:solidFill>
                           <a:latin typeface="Adobe Clean Light" panose="020B0303020404020204" pitchFamily="34" charset="0"/>
                           <a:cs typeface="AdobeClean-Light"/>
                         </a:rPr>
-                        <a:t>Priority Case Routing</a:t>
+                        <a:t>优先级案例路由</a:t>
                       </a:r>
                       <a:endParaRPr sz="1100" b="0" i="0" spc="0" dirty="0">
                         <a:latin typeface="Adobe Clean Light" panose="020B0303020404020204" pitchFamily="34" charset="0"/>
@@ -3892,7 +3995,7 @@
                         <a:defRPr/>
                       </a:pPr>
                       <a:r>
-                        <a:rPr lang="en-US" sz="1200" dirty="0">
+                        <a:rPr lang="ja-jp" sz="1200" dirty="0">
                           <a:solidFill>
                             <a:srgbClr val="020302"/>
                           </a:solidFill>
@@ -3994,11 +4097,11 @@
                         <a:defRPr/>
                       </a:pPr>
                       <a:r>
-                        <a:rPr lang="en-US" sz="1100" b="0" i="0" spc="0" dirty="0">
+                        <a:rPr lang="ja-jp" sz="1100" b="0" i="0" spc="0" dirty="0">
                           <a:latin typeface="Adobe Clean Light" panose="020B0303020404020204" pitchFamily="34" charset="0"/>
                           <a:cs typeface="AdobeClean-Light"/>
                         </a:rPr>
-                        <a:t>Accelerated Issue Prioritization</a:t>
+                        <a:t>已加快问题优先处理</a:t>
                       </a:r>
                     </a:p>
                   </a:txBody>
@@ -4069,7 +4172,7 @@
                         </a:spcBef>
                       </a:pPr>
                       <a:r>
-                        <a:rPr lang="en-US" sz="1200" dirty="0">
+                        <a:rPr lang="ja-jp" sz="1200" dirty="0">
                           <a:solidFill>
                             <a:srgbClr val="020302"/>
                           </a:solidFill>
@@ -4142,11 +4245,11 @@
                         </a:spcBef>
                       </a:pPr>
                       <a:r>
-                        <a:rPr lang="en-US" sz="1100" b="0" i="0" spc="0" dirty="0">
+                        <a:rPr lang="ja-jp" sz="1100" b="0" i="0" spc="0" dirty="0">
                           <a:latin typeface="Adobe Clean Light" panose="020B0303020404020204" pitchFamily="34" charset="0"/>
                           <a:cs typeface="AdobeClean-Light"/>
                         </a:rPr>
-                        <a:t>Escalation Management</a:t>
+                        <a:t>上报管理</a:t>
                       </a:r>
                       <a:endParaRPr sz="1100" b="0" i="0" spc="0" dirty="0">
                         <a:latin typeface="Adobe Clean Light" panose="020B0303020404020204" pitchFamily="34" charset="0"/>
@@ -4224,7 +4327,7 @@
                         <a:defRPr/>
                       </a:pPr>
                       <a:r>
-                        <a:rPr lang="en-US" sz="1200" dirty="0">
+                        <a:rPr lang="ja-jp" sz="1200" dirty="0">
                           <a:solidFill>
                             <a:srgbClr val="020302"/>
                           </a:solidFill>
@@ -4297,11 +4400,11 @@
                         </a:spcBef>
                       </a:pPr>
                       <a:r>
-                        <a:rPr lang="en-US" sz="1100" b="0" i="0" spc="0" dirty="0">
+                        <a:rPr lang="ja-jp" sz="1100" b="0" i="0" spc="0" dirty="0">
                           <a:latin typeface="Adobe Clean Light" panose="020B0303020404020204" pitchFamily="34" charset="0"/>
                           <a:cs typeface="AdobeClean-Light"/>
                         </a:rPr>
-                        <a:t>Proactive Case Monitoring</a:t>
+                        <a:t>主动案例监控</a:t>
                       </a:r>
                       <a:endParaRPr sz="1100" b="0" i="0" spc="0" dirty="0">
                         <a:latin typeface="Adobe Clean Light" panose="020B0303020404020204" pitchFamily="34" charset="0"/>
@@ -4445,13 +4548,13 @@
                         <a:buNone/>
                       </a:pPr>
                       <a:r>
-                        <a:rPr lang="en-US" sz="1100" b="0" i="0" u="none" strike="noStrike" spc="0" noProof="0" dirty="0">
+                        <a:rPr lang="ja-jp" sz="1100" b="0" i="0" u="none" strike="noStrike" spc="0" noProof="0" dirty="0">
                           <a:solidFill>
                             <a:srgbClr val="020302"/>
                           </a:solidFill>
                           <a:latin typeface="Adobe Clean Light"/>
                         </a:rPr>
-                        <a:t>In-Region Support Option</a:t>
+                        <a:t>区域内支持选项</a:t>
                       </a:r>
                       <a:endParaRPr dirty="0"/>
                     </a:p>
@@ -4578,14 +4681,14 @@
                         </a:spcBef>
                       </a:pPr>
                       <a:r>
-                        <a:rPr lang="en-US" sz="1100" b="0" i="0" spc="0" dirty="0">
+                        <a:rPr lang="ja-jp" sz="1100" b="0" i="0" spc="0" dirty="0">
                           <a:solidFill>
                             <a:srgbClr val="020302"/>
                           </a:solidFill>
                           <a:latin typeface="Adobe Clean Light" panose="020B0303020404020204" pitchFamily="34" charset="0"/>
                           <a:cs typeface="AdobeClean-Light"/>
                         </a:rPr>
-                        <a:t>Service Reviews</a:t>
+                        <a:t>服务审查</a:t>
                       </a:r>
                       <a:endParaRPr sz="1100" b="0" i="0" spc="0" dirty="0">
                         <a:latin typeface="Adobe Clean Light" panose="020B0303020404020204" pitchFamily="34" charset="0"/>
@@ -4709,11 +4812,11 @@
                         </a:spcBef>
                       </a:pPr>
                       <a:r>
-                        <a:rPr lang="en-US" sz="1100" b="0" i="0" spc="0" dirty="0">
+                        <a:rPr lang="ja-jp" sz="1100" b="0" i="0" spc="0" dirty="0">
                           <a:latin typeface="Adobe Clean Light" panose="020B0303020404020204" pitchFamily="34" charset="0"/>
                           <a:cs typeface="AdobeClean-Light"/>
                         </a:rPr>
-                        <a:t>Case Reviews</a:t>
+                        <a:t>案例审查</a:t>
                       </a:r>
                       <a:endParaRPr sz="1100" b="0" i="0" spc="0" dirty="0">
                         <a:latin typeface="Adobe Clean Light" panose="020B0303020404020204" pitchFamily="34" charset="0"/>
@@ -4863,11 +4966,11 @@
                         <a:defRPr/>
                       </a:pPr>
                       <a:r>
-                        <a:rPr lang="en-US" sz="1100" b="0" i="0" spc="0" dirty="0">
+                        <a:rPr lang="ja-jp" sz="1100" b="0" i="0" spc="0" dirty="0">
                           <a:latin typeface="Adobe Clean Light" panose="020B0303020404020204" pitchFamily="34" charset="0"/>
                           <a:cs typeface="AdobeClean-Light"/>
                         </a:rPr>
-                        <a:t>Solution Review</a:t>
+                        <a:t>解决方案审查</a:t>
                       </a:r>
                     </a:p>
                   </a:txBody>
@@ -5004,11 +5107,11 @@
                         <a:defRPr/>
                       </a:pPr>
                       <a:r>
-                        <a:rPr lang="en-US" sz="1100" b="0" i="0" spc="0" dirty="0">
+                        <a:rPr lang="ja-jp" sz="1100" b="0" i="0" spc="0" dirty="0">
                           <a:latin typeface="Adobe Clean Light" panose="020B0303020404020204" pitchFamily="34" charset="0"/>
                           <a:cs typeface="AdobeClean-Light"/>
                         </a:rPr>
-                        <a:t>Roadmap Review </a:t>
+                        <a:t>路线图审查</a:t>
                       </a:r>
                     </a:p>
                   </a:txBody>
@@ -5139,14 +5242,14 @@
                         <a:defRPr/>
                       </a:pPr>
                       <a:r>
-                        <a:rPr lang="en-US" sz="1100" b="0" i="0" spc="0" dirty="0">
+                        <a:rPr lang="ja-jp" sz="1100" b="0" i="0" spc="0" dirty="0">
                           <a:solidFill>
                             <a:srgbClr val="020302"/>
                           </a:solidFill>
                           <a:latin typeface="Adobe Clean Light" panose="020B0303020404020204" pitchFamily="34" charset="0"/>
                           <a:cs typeface="AdobeClean-Light"/>
                         </a:rPr>
-                        <a:t>Additional Named Support Contacts </a:t>
+                        <a:t>其他指定的支持联系人</a:t>
                       </a:r>
                       <a:endParaRPr lang="en-US" sz="1100" b="0" i="0" spc="0" dirty="0">
                         <a:latin typeface="Adobe Clean Light" panose="020B0303020404020204" pitchFamily="34" charset="0"/>
@@ -5281,11 +5384,11 @@
                         </a:spcBef>
                       </a:pPr>
                       <a:r>
-                        <a:rPr lang="en-US" sz="1100" b="0" i="0" spc="0" dirty="0">
+                        <a:rPr lang="ja-jp" sz="1100" b="0" i="0" spc="0" dirty="0">
                           <a:latin typeface="Adobe Clean Light" panose="020B0303020404020204" pitchFamily="34" charset="0"/>
                           <a:cs typeface="AdobeClean-Light"/>
                         </a:rPr>
-                        <a:t>Upgrade/Migration Planning</a:t>
+                        <a:t>升级/迁移规划</a:t>
                       </a:r>
                       <a:endParaRPr sz="1100" b="0" i="0" spc="0" dirty="0">
                         <a:latin typeface="Adobe Clean Light" panose="020B0303020404020204" pitchFamily="34" charset="0"/>
@@ -5419,11 +5522,11 @@
                         </a:spcBef>
                       </a:pPr>
                       <a:r>
-                        <a:rPr lang="en-US" sz="1100" b="0" i="0" spc="0" dirty="0">
+                        <a:rPr lang="ja-jp" sz="1100" b="0" i="0" spc="0" dirty="0">
                           <a:latin typeface="Adobe Clean Light" panose="020B0303020404020204" pitchFamily="34" charset="0"/>
                           <a:cs typeface="AdobeClean-Light"/>
                         </a:rPr>
-                        <a:t>Release Preparation and Planning</a:t>
+                        <a:t>发布准备和规划</a:t>
                       </a:r>
                       <a:endParaRPr sz="1100" b="0" i="0" spc="0" dirty="0">
                         <a:latin typeface="Adobe Clean Light" panose="020B0303020404020204" pitchFamily="34" charset="0"/>
@@ -5638,11 +5741,11 @@
                         </a:spcBef>
                       </a:pPr>
                       <a:r>
-                        <a:rPr lang="en-US" sz="1100" b="0" i="0" spc="0" dirty="0">
+                        <a:rPr lang="ja-jp" sz="1100" b="0" i="0" spc="0" dirty="0">
                           <a:latin typeface="Adobe Clean Light" panose="020B0303020404020204" pitchFamily="34" charset="0"/>
                           <a:cs typeface="AdobeClean-Light"/>
                         </a:rPr>
-                        <a:t>Executive Sponsor</a:t>
+                        <a:t>执行发起人</a:t>
                       </a:r>
                       <a:endParaRPr sz="1100" b="0" i="0" spc="0" dirty="0">
                         <a:latin typeface="Adobe Clean Light" panose="020B0303020404020204" pitchFamily="34" charset="0"/>
@@ -5738,7 +5841,7 @@
                     <a:bodyPr/>
                     <a:lstStyle/>
                     <a:p>
-                      <a:pPr>
+                      <a:pPr marL="0" algn="l" rtl="0">
                         <a:lnSpc>
                           <a:spcPct val="100000"/>
                         </a:lnSpc>
@@ -5814,13 +5917,13 @@
           <a:lstStyle/>
           <a:p>
             <a:r>
-              <a:rPr lang="en-US" sz="700" i="1" dirty="0">
+              <a:rPr lang="ja-jp" sz="700" i="1" dirty="0">
                 <a:solidFill>
                   <a:schemeClr val="bg1"/>
                 </a:solidFill>
                 <a:latin typeface="Adobe Clean" panose="020B0503020404020204" pitchFamily="34" charset="0"/>
               </a:rPr>
-              <a:t>Adobe Creative Cloud / Adobe Document Cloud (including Adobe Sign)</a:t>
+              <a:t>Adobe Creative Cloud / Adobe Document Cloud（包括 Adobe Sign）</a:t>
             </a:r>
           </a:p>
         </p:txBody>
@@ -5840,14 +5943,14 @@
           <p:nvPr>
             <p:extLst>
               <p:ext uri="{D42A27DB-BD31-4B8C-83A1-F6EECF244321}">
-                <p14:modId xmlns:p14="http://schemas.microsoft.com/office/powerpoint/2010/main" val="2288175540"/>
+                <p14:modId xmlns:p14="http://schemas.microsoft.com/office/powerpoint/2010/main" val="3396760836"/>
               </p:ext>
             </p:extLst>
           </p:nvPr>
         </p:nvGraphicFramePr>
         <p:xfrm>
           <a:off x="121146" y="7483227"/>
-          <a:ext cx="7498851" cy="2361428"/>
+          <a:ext cx="7498851" cy="2103437"/>
         </p:xfrm>
         <a:graphic>
           <a:graphicData uri="http://schemas.openxmlformats.org/drawingml/2006/table">
@@ -5907,16 +6010,16 @@
                         </a:spcBef>
                       </a:pPr>
                       <a:r>
-                        <a:rPr sz="1000" spc="0">
+                        <a:rPr lang="ja-jp" sz="1000" spc="0">
                           <a:solidFill>
                             <a:srgbClr val="020302"/>
                           </a:solidFill>
                           <a:latin typeface="Adobe Clean"/>
                           <a:cs typeface="Adobe Clean"/>
                         </a:rPr>
-                        <a:t>Priority</a:t>
+                        <a:t>优先级</a:t>
                       </a:r>
-                      <a:endParaRPr sz="1000" spc="0">
+                      <a:endParaRPr sz="1000" spc="0" dirty="0">
                         <a:latin typeface="Adobe Clean"/>
                         <a:cs typeface="Adobe Clean"/>
                       </a:endParaRPr>
@@ -5966,44 +6069,14 @@
                         </a:spcBef>
                       </a:pPr>
                       <a:r>
-                        <a:rPr lang="en-US" sz="900" spc="0">
+                        <a:rPr lang="ja-jp" sz="900" spc="0">
                           <a:solidFill>
                             <a:srgbClr val="020302"/>
                           </a:solidFill>
                           <a:latin typeface="Adobe Clean"/>
                           <a:cs typeface="Adobe Clean"/>
                         </a:rPr>
-                        <a:t>Standard</a:t>
-                      </a:r>
-                      <a:r>
-                        <a:rPr sz="900" spc="0">
-                          <a:solidFill>
-                            <a:srgbClr val="020302"/>
-                          </a:solidFill>
-                          <a:latin typeface="Adobe Clean"/>
-                          <a:cs typeface="Adobe Clean"/>
-                        </a:rPr>
-                        <a:t> </a:t>
-                      </a:r>
-                      <a:r>
-                        <a:rPr lang="en-US" sz="900" spc="0">
-                          <a:solidFill>
-                            <a:srgbClr val="020302"/>
-                          </a:solidFill>
-                          <a:latin typeface="Adobe Clean"/>
-                          <a:cs typeface="Adobe Clean"/>
-                        </a:rPr>
-                        <a:t> </a:t>
-                      </a:r>
-                      <a:r>
-                        <a:rPr sz="900" spc="0">
-                          <a:solidFill>
-                            <a:srgbClr val="020302"/>
-                          </a:solidFill>
-                          <a:latin typeface="Adobe Clean"/>
-                          <a:cs typeface="Adobe Clean"/>
-                        </a:rPr>
-                        <a:t>Support</a:t>
+                        <a:t>标准  支持</a:t>
                       </a:r>
                       <a:endParaRPr sz="900" spc="0">
                         <a:latin typeface="Adobe Clean"/>
@@ -6058,34 +6131,14 @@
                         </a:spcBef>
                       </a:pPr>
                       <a:r>
-                        <a:rPr sz="900" spc="0">
+                        <a:rPr lang="ja-jp" sz="900" spc="0">
                           <a:solidFill>
                             <a:srgbClr val="FFFFFF"/>
                           </a:solidFill>
                           <a:latin typeface="Adobe Clean"/>
                           <a:cs typeface="Adobe Clean"/>
                         </a:rPr>
-                        <a:t>Business</a:t>
-                      </a:r>
-                      <a:r>
-                        <a:rPr lang="en-US" sz="900" spc="0">
-                          <a:solidFill>
-                            <a:srgbClr val="FFFFFF"/>
-                          </a:solidFill>
-                          <a:latin typeface="Adobe Clean"/>
-                          <a:cs typeface="Adobe Clean"/>
-                        </a:rPr>
-                        <a:t> </a:t>
-                      </a:r>
-                      <a:r>
-                        <a:rPr sz="900" spc="0">
-                          <a:solidFill>
-                            <a:srgbClr val="FFFFFF"/>
-                          </a:solidFill>
-                          <a:latin typeface="Adobe Clean"/>
-                          <a:cs typeface="Adobe Clean"/>
-                        </a:rPr>
-                        <a:t>Support</a:t>
+                        <a:t>商业支持</a:t>
                       </a:r>
                       <a:endParaRPr sz="900" spc="0">
                         <a:latin typeface="Adobe Clean"/>
@@ -6137,34 +6190,14 @@
                         </a:spcBef>
                       </a:pPr>
                       <a:r>
-                        <a:rPr sz="900" spc="0">
+                        <a:rPr lang="ja-jp" sz="900" spc="0">
                           <a:solidFill>
                             <a:srgbClr val="FFFFFF"/>
                           </a:solidFill>
                           <a:latin typeface="Adobe Clean"/>
                           <a:cs typeface="Adobe Clean"/>
                         </a:rPr>
-                        <a:t>Enterprise </a:t>
-                      </a:r>
-                      <a:r>
-                        <a:rPr lang="en-US" sz="900" spc="0">
-                          <a:solidFill>
-                            <a:srgbClr val="FFFFFF"/>
-                          </a:solidFill>
-                          <a:latin typeface="Adobe Clean"/>
-                          <a:cs typeface="Adobe Clean"/>
-                        </a:rPr>
-                        <a:t> </a:t>
-                      </a:r>
-                      <a:r>
-                        <a:rPr sz="900" spc="0">
-                          <a:solidFill>
-                            <a:srgbClr val="FFFFFF"/>
-                          </a:solidFill>
-                          <a:latin typeface="Adobe Clean"/>
-                          <a:cs typeface="Adobe Clean"/>
-                        </a:rPr>
-                        <a:t>Support</a:t>
+                        <a:t>企业支持</a:t>
                       </a:r>
                       <a:endParaRPr sz="900" spc="0">
                         <a:latin typeface="Adobe Clean"/>
@@ -6216,34 +6249,14 @@
                         </a:spcBef>
                       </a:pPr>
                       <a:r>
-                        <a:rPr sz="900" spc="0">
+                        <a:rPr lang="ja-jp" sz="900" spc="0">
                           <a:solidFill>
                             <a:srgbClr val="FFFFFF"/>
                           </a:solidFill>
                           <a:latin typeface="Adobe Clean"/>
                           <a:cs typeface="Adobe Clean"/>
                         </a:rPr>
-                        <a:t>Elite</a:t>
-                      </a:r>
-                      <a:r>
-                        <a:rPr lang="en-US" sz="900" spc="0">
-                          <a:solidFill>
-                            <a:srgbClr val="FFFFFF"/>
-                          </a:solidFill>
-                          <a:latin typeface="Adobe Clean"/>
-                          <a:cs typeface="Adobe Clean"/>
-                        </a:rPr>
-                        <a:t> </a:t>
-                      </a:r>
-                      <a:r>
-                        <a:rPr sz="900" spc="0">
-                          <a:solidFill>
-                            <a:srgbClr val="FFFFFF"/>
-                          </a:solidFill>
-                          <a:latin typeface="Adobe Clean"/>
-                          <a:cs typeface="Adobe Clean"/>
-                        </a:rPr>
-                        <a:t>Support</a:t>
+                        <a:t>高级支持</a:t>
                       </a:r>
                       <a:endParaRPr sz="900" spc="0">
                         <a:latin typeface="Adobe Clean"/>
@@ -6302,14 +6315,14 @@
                         </a:spcBef>
                       </a:pPr>
                       <a:r>
-                        <a:rPr sz="900" b="1" spc="0" dirty="0">
+                        <a:rPr lang="ja-jp" sz="900" b="1" spc="0" dirty="0">
                           <a:solidFill>
                             <a:srgbClr val="020302"/>
                           </a:solidFill>
                           <a:latin typeface="Adobe Clean"/>
                           <a:cs typeface="Adobe Clean"/>
                         </a:rPr>
-                        <a:t>PRIORITY 1</a:t>
+                        <a:t>优先级 1</a:t>
                       </a:r>
                       <a:endParaRPr sz="900" spc="0" dirty="0">
                         <a:latin typeface="Adobe Clean"/>
@@ -6326,14 +6339,54 @@
                         </a:spcBef>
                       </a:pPr>
                       <a:r>
-                        <a:rPr lang="en-US" sz="900" b="0" i="0" spc="0" dirty="0">
+                        <a:rPr lang="ja-jp" sz="900" b="0" i="0" spc="0" dirty="0">
                           <a:solidFill>
                             <a:srgbClr val="000000"/>
                           </a:solidFill>
                           <a:effectLst/>
                           <a:latin typeface="Adobe Clean Light" panose="020B0303020404020204" pitchFamily="34" charset="0"/>
                         </a:rPr>
-                        <a:t>Customer's production business functions are down or have significant data loss or service degradation and immediate attention is required to restore functionality and usability. </a:t>
+                        <a:t>客户的生产业务功能中断或发生重大数据丢失或服务</a:t>
+                      </a:r>
+                      <a:r>
+                        <a:rPr lang="ja-jp" sz="900" b="0" i="0" spc="0">
+                          <a:solidFill>
+                            <a:srgbClr val="000000"/>
+                          </a:solidFill>
+                          <a:effectLst/>
+                          <a:latin typeface="Adobe Clean Light" panose="020B0303020404020204" pitchFamily="34" charset="0"/>
+                        </a:rPr>
+                        <a:t>降级</a:t>
+                      </a:r>
+                      <a:r>
+                        <a:rPr lang="ja-JP" altLang="en-US" sz="900" b="0" i="0" spc="0">
+                          <a:solidFill>
+                            <a:srgbClr val="000000"/>
+                          </a:solidFill>
+                          <a:effectLst/>
+                          <a:latin typeface="Adobe Clean Light" panose="020B0303020404020204" pitchFamily="34" charset="0"/>
+                        </a:rPr>
+                        <a:t>、</a:t>
+                      </a:r>
+                      <a:r>
+                        <a:rPr lang="ja-jp" sz="900" b="0" i="0" spc="0">
+                          <a:solidFill>
+                            <a:srgbClr val="000000"/>
+                          </a:solidFill>
+                          <a:effectLst/>
+                          <a:latin typeface="Adobe Clean Light" panose="020B0303020404020204" pitchFamily="34" charset="0"/>
+                        </a:rPr>
+                        <a:t>需</a:t>
+                      </a:r>
+                      <a:r>
+                        <a:rPr lang="ja-jp" sz="900" b="0" i="0" spc="0" dirty="0">
+                          <a:solidFill>
+                            <a:srgbClr val="000000"/>
+                          </a:solidFill>
+                          <a:effectLst/>
+                          <a:latin typeface="Adobe Clean Light" panose="020B0303020404020204" pitchFamily="34" charset="0"/>
+                        </a:rPr>
+                        <a:t>要立即关注以恢复功能和可用性。</a:t>
                       </a:r>
                       <a:endParaRPr sz="900" spc="0" dirty="0">
                         <a:latin typeface="AdobeClean-Light"/>
@@ -6385,14 +6438,14 @@
                         </a:spcBef>
                       </a:pPr>
                       <a:r>
-                        <a:rPr lang="en-US" sz="900" spc="0">
+                        <a:rPr lang="ja-jp" sz="900" spc="0">
                           <a:solidFill>
                             <a:srgbClr val="020302"/>
                           </a:solidFill>
                           <a:latin typeface="AdobeClean-Light"/>
                           <a:cs typeface="AdobeClean-Light"/>
                         </a:rPr>
-                        <a:t>24x7 /</a:t>
+                        <a:t>全天候 /</a:t>
                       </a:r>
                     </a:p>
                     <a:p>
@@ -6405,14 +6458,14 @@
                         </a:spcBef>
                       </a:pPr>
                       <a:r>
-                        <a:rPr lang="en-US" sz="900" spc="0">
+                        <a:rPr lang="ja-jp" sz="900" spc="0">
                           <a:solidFill>
                             <a:srgbClr val="020302"/>
                           </a:solidFill>
                           <a:latin typeface="AdobeClean-Light"/>
                           <a:cs typeface="AdobeClean-Light"/>
                         </a:rPr>
-                        <a:t> 30 minutes</a:t>
+                        <a:t>30 分钟</a:t>
                       </a:r>
                       <a:endParaRPr lang="en-US" sz="900" spc="0">
                         <a:latin typeface="AdobeClean-Light"/>
@@ -6462,10 +6515,58 @@
                         <a:tabLst/>
                       </a:pPr>
                       <a:r>
-                        <a:rPr lang="en-US" sz="1000" i="0" spc="0" dirty="0">
+                        <a:rPr lang="ja-jp" sz="1000" i="0" spc="0" dirty="0">
                           <a:latin typeface="AdobeClean-Light"/>
                         </a:rPr>
-                        <a:t>Customers who purchase a Support Plan for applicable Adobe Products and Services receive priority case routing that fast-tracks cases to Adobe’s Support Engineers. </a:t>
+                        <a:t>为适用的 Adobe 产品和服务购买支持计划的客户将获得优先级案例</a:t>
+                      </a:r>
+                      <a:r>
+                        <a:rPr lang="ja-jp" sz="1000" i="0" spc="0">
+                          <a:latin typeface="AdobeClean-Light"/>
+                        </a:rPr>
+                        <a:t>路由</a:t>
+                      </a:r>
+                      <a:r>
+                        <a:rPr lang="ja-JP" altLang="en-US" sz="1000" i="0" spc="0">
+                          <a:latin typeface="AdobeClean-Light"/>
+                        </a:rPr>
+                        <a:t>、</a:t>
+                      </a:r>
+                      <a:r>
+                        <a:rPr lang="ja-jp" sz="1000" i="0" spc="0">
+                          <a:latin typeface="AdobeClean-Light"/>
+                        </a:rPr>
+                        <a:t>可</a:t>
+                      </a:r>
+                      <a:r>
+                        <a:rPr lang="ja-jp" sz="1000" i="0" spc="0" dirty="0">
+                          <a:latin typeface="AdobeClean-Light"/>
+                        </a:rPr>
+                        <a:t>快速跟踪</a:t>
+                      </a:r>
+                      <a:r>
+                        <a:rPr lang="ja-jp" sz="1000" i="0" spc="0">
+                          <a:latin typeface="AdobeClean-Light"/>
+                        </a:rPr>
+                        <a:t>案例</a:t>
+                      </a:r>
+                      <a:r>
+                        <a:rPr lang="ja-JP" altLang="en-US" sz="1000" i="0" spc="0">
+                          <a:latin typeface="AdobeClean-Light"/>
+                        </a:rPr>
+                        <a:t>、</a:t>
+                      </a:r>
+                      <a:r>
+                        <a:rPr lang="ja-jp" sz="1000" i="0" spc="0">
+                          <a:latin typeface="AdobeClean-Light"/>
+                        </a:rPr>
+                        <a:t>并</a:t>
+                      </a:r>
+                      <a:r>
+                        <a:rPr lang="ja-jp" sz="1000" i="0" spc="0" dirty="0">
+                          <a:latin typeface="AdobeClean-Light"/>
+                        </a:rPr>
+                        <a:t>将其发送给 Adobe 的支持工程师。</a:t>
                       </a:r>
                     </a:p>
                   </a:txBody>
@@ -6513,7 +6614,7 @@
                         </a:spcBef>
                       </a:pPr>
                       <a:r>
-                        <a:rPr sz="900" spc="0">
+                        <a:rPr lang="ja-jp" sz="900" spc="0">
                           <a:solidFill>
                             <a:srgbClr val="020302"/>
                           </a:solidFill>
@@ -6523,59 +6624,7 @@
                           <a:latin typeface="AdobeClean-Light"/>
                           <a:cs typeface="AdobeClean-Light"/>
                         </a:rPr>
-                        <a:t>24x7 /  </a:t>
-                      </a:r>
-                      <a:r>
-                        <a:rPr lang="en-US" sz="900" spc="0">
-                          <a:solidFill>
-                            <a:srgbClr val="020302"/>
-                          </a:solidFill>
-                          <a:highlight>
-                            <a:srgbClr val="FFFF00"/>
-                          </a:highlight>
-                          <a:latin typeface="AdobeClean-Light"/>
-                          <a:cs typeface="AdobeClean-Light"/>
-                        </a:rPr>
-                        <a:t>         </a:t>
-                      </a:r>
-                      <a:r>
-                        <a:rPr sz="900" spc="0">
-                          <a:solidFill>
-                            <a:srgbClr val="020302"/>
-                          </a:solidFill>
-                          <a:highlight>
-                            <a:srgbClr val="FFFF00"/>
-                          </a:highlight>
-                          <a:latin typeface="AdobeClean-Light"/>
-                          <a:cs typeface="AdobeClean-Light"/>
-                        </a:rPr>
-                        <a:t>30</a:t>
-                      </a:r>
-                      <a:r>
-                        <a:rPr lang="en-US" sz="900" spc="0">
-                          <a:solidFill>
-                            <a:srgbClr val="020302"/>
-                          </a:solidFill>
-                          <a:highlight>
-                            <a:srgbClr val="FFFF00"/>
-                          </a:highlight>
-                          <a:latin typeface="AdobeClean-Light"/>
-                          <a:cs typeface="AdobeClean-Light"/>
-                        </a:rPr>
-                        <a:t> </a:t>
-                      </a:r>
-                      <a:r>
-                        <a:rPr sz="900" spc="0">
-                          <a:solidFill>
-                            <a:srgbClr val="020302"/>
-                          </a:solidFill>
-                          <a:highlight>
-                            <a:srgbClr val="FFFF00"/>
-                          </a:highlight>
-                          <a:latin typeface="AdobeClean-Light"/>
-                          <a:cs typeface="AdobeClean-Light"/>
-                        </a:rPr>
-                        <a:t>minutes</a:t>
+                        <a:t>全天候/30 分钟</a:t>
                       </a:r>
                       <a:endParaRPr sz="900" spc="0">
                         <a:highlight>
@@ -6627,7 +6676,7 @@
                         </a:spcBef>
                       </a:pPr>
                       <a:r>
-                        <a:rPr sz="900" spc="0">
+                        <a:rPr lang="ja-jp" sz="900" spc="0">
                           <a:solidFill>
                             <a:srgbClr val="020302"/>
                           </a:solidFill>
@@ -6637,59 +6686,7 @@
                           <a:latin typeface="AdobeClean-Light"/>
                           <a:cs typeface="AdobeClean-Light"/>
                         </a:rPr>
-                        <a:t>24x7 / </a:t>
-                      </a:r>
-                      <a:r>
-                        <a:rPr lang="en-US" sz="900" spc="0">
-                          <a:solidFill>
-                            <a:srgbClr val="020302"/>
-                          </a:solidFill>
-                          <a:highlight>
-                            <a:srgbClr val="FFFF00"/>
-                          </a:highlight>
-                          <a:latin typeface="AdobeClean-Light"/>
-                          <a:cs typeface="AdobeClean-Light"/>
-                        </a:rPr>
-                        <a:t>       </a:t>
-                      </a:r>
-                      <a:r>
-                        <a:rPr sz="900" spc="0">
-                          <a:solidFill>
-                            <a:srgbClr val="020302"/>
-                          </a:solidFill>
-                          <a:highlight>
-                            <a:srgbClr val="FFFF00"/>
-                          </a:highlight>
-                          <a:latin typeface="AdobeClean-Light"/>
-                          <a:cs typeface="AdobeClean-Light"/>
-                        </a:rPr>
-                        <a:t> 15</a:t>
-                      </a:r>
-                      <a:r>
-                        <a:rPr lang="en-US" sz="900" spc="0">
-                          <a:solidFill>
-                            <a:srgbClr val="020302"/>
-                          </a:solidFill>
-                          <a:highlight>
-                            <a:srgbClr val="FFFF00"/>
-                          </a:highlight>
-                          <a:latin typeface="AdobeClean-Light"/>
-                          <a:cs typeface="AdobeClean-Light"/>
-                        </a:rPr>
-                        <a:t> </a:t>
-                      </a:r>
-                      <a:r>
-                        <a:rPr sz="900" spc="0">
-                          <a:solidFill>
-                            <a:srgbClr val="020302"/>
-                          </a:solidFill>
-                          <a:highlight>
-                            <a:srgbClr val="FFFF00"/>
-                          </a:highlight>
-                          <a:latin typeface="AdobeClean-Light"/>
-                          <a:cs typeface="AdobeClean-Light"/>
-                        </a:rPr>
-                        <a:t>minutes</a:t>
+                        <a:t>全天候/15 分钟</a:t>
                       </a:r>
                       <a:endParaRPr sz="900" spc="0">
                         <a:highlight>
@@ -6748,16 +6745,16 @@
                         </a:spcBef>
                       </a:pPr>
                       <a:r>
-                        <a:rPr sz="900" b="1" spc="0">
+                        <a:rPr lang="ja-jp" sz="900" b="1" spc="0">
                           <a:solidFill>
                             <a:srgbClr val="020302"/>
                           </a:solidFill>
                           <a:latin typeface="Adobe Clean"/>
                           <a:cs typeface="Adobe Clean"/>
                         </a:rPr>
-                        <a:t>PRIORITY 2</a:t>
+                        <a:t>优先级 2</a:t>
                       </a:r>
-                      <a:endParaRPr sz="900" spc="0">
+                      <a:endParaRPr sz="900" spc="0" dirty="0">
                         <a:latin typeface="Adobe Clean"/>
                         <a:cs typeface="Adobe Clean"/>
                       </a:endParaRPr>
@@ -6781,16 +6778,36 @@
                         <a:defRPr/>
                       </a:pPr>
                       <a:r>
-                        <a:rPr lang="en-US" sz="900" b="0" i="0" spc="0">
+                        <a:rPr lang="ja-jp" sz="900" b="0" i="0" spc="0">
                           <a:solidFill>
                             <a:srgbClr val="000000"/>
                           </a:solidFill>
                           <a:effectLst/>
                           <a:latin typeface="Adobe Clean Light" panose="020B0303020404020204" pitchFamily="34" charset="0"/>
                         </a:rPr>
-                        <a:t>Customer's business functions have major service degradation or potential data loss, or a major feature is impacted. </a:t>
+                        <a:t>客户的企业功能发生重大服务降级或潜在数据丢失</a:t>
                       </a:r>
-                      <a:endParaRPr sz="900" b="0" i="0" spc="0">
+                      <a:r>
+                        <a:rPr lang="ja-JP" altLang="en-US" sz="900" b="0" i="0" spc="0">
+                          <a:solidFill>
+                            <a:srgbClr val="000000"/>
+                          </a:solidFill>
+                          <a:effectLst/>
+                          <a:latin typeface="Adobe Clean Light" panose="020B0303020404020204" pitchFamily="34" charset="0"/>
+                        </a:rPr>
+                        <a:t>、</a:t>
+                      </a:r>
+                      <a:r>
+                        <a:rPr lang="ja-jp" sz="900" b="0" i="0" spc="0">
+                          <a:solidFill>
+                            <a:srgbClr val="000000"/>
+                          </a:solidFill>
+                          <a:effectLst/>
+                          <a:latin typeface="Adobe Clean Light" panose="020B0303020404020204" pitchFamily="34" charset="0"/>
+                        </a:rPr>
+                        <a:t>或主要功能受到影响。</a:t>
+                      </a:r>
+                      <a:endParaRPr sz="900" b="0" i="0" spc="0" dirty="0">
                         <a:latin typeface="Adobe Clean Light" panose="020B0303020404020204" pitchFamily="34" charset="0"/>
                         <a:cs typeface="AdobeClean-Light"/>
                       </a:endParaRPr>
@@ -6840,14 +6857,14 @@
                         </a:spcBef>
                       </a:pPr>
                       <a:r>
-                        <a:rPr lang="en-US" sz="900" spc="0">
+                        <a:rPr lang="ja-jp" sz="900" spc="0">
                           <a:solidFill>
                             <a:srgbClr val="020302"/>
                           </a:solidFill>
                           <a:latin typeface="AdobeClean-Light"/>
                           <a:cs typeface="AdobeClean-Light"/>
                         </a:rPr>
-                        <a:t>      24x7 /</a:t>
+                        <a:t>      全天候/</a:t>
                       </a:r>
                     </a:p>
                     <a:p>
@@ -6860,14 +6877,14 @@
                         </a:spcBef>
                       </a:pPr>
                       <a:r>
-                        <a:rPr lang="en-US" sz="900" spc="0">
+                        <a:rPr lang="ja-jp" sz="900" spc="0">
                           <a:solidFill>
                             <a:srgbClr val="020302"/>
                           </a:solidFill>
                           <a:latin typeface="AdobeClean-Light"/>
                           <a:cs typeface="AdobeClean-Light"/>
                         </a:rPr>
-                        <a:t>     1 hour</a:t>
+                        <a:t>     1 小时</a:t>
                       </a:r>
                       <a:endParaRPr lang="en-US" sz="900" spc="0">
                         <a:latin typeface="AdobeClean-Light"/>
@@ -7073,26 +7090,16 @@
                         </a:spcBef>
                       </a:pPr>
                       <a:r>
-                        <a:rPr sz="900" b="1" spc="0">
+                        <a:rPr lang="ja-jp" sz="900" b="1" spc="0">
                           <a:solidFill>
                             <a:srgbClr val="020302"/>
                           </a:solidFill>
                           <a:latin typeface="Adobe Clean"/>
                           <a:cs typeface="Adobe Clean"/>
                         </a:rPr>
-                        <a:t>PRIORITY</a:t>
+                        <a:t>优先级 3</a:t>
                       </a:r>
-                      <a:r>
-                        <a:rPr lang="en-US" sz="900" b="1" spc="0">
-                          <a:solidFill>
-                            <a:srgbClr val="020302"/>
-                          </a:solidFill>
-                          <a:latin typeface="Adobe Clean"/>
-                          <a:cs typeface="Adobe Clean"/>
-                        </a:rPr>
-                        <a:t> 3</a:t>
-                      </a:r>
-                      <a:endParaRPr lang="en-US" sz="900" spc="0">
+                      <a:endParaRPr lang="en-US" sz="900" spc="0" dirty="0">
                         <a:latin typeface="Adobe Clean"/>
                         <a:cs typeface="Adobe Clean"/>
                       </a:endParaRPr>
@@ -7116,7 +7123,7 @@
                         <a:defRPr/>
                       </a:pPr>
                       <a:r>
-                        <a:rPr kumimoji="0" lang="en-US" sz="900" b="0" i="0" u="none" strike="noStrike" kern="1200" cap="none" spc="0" normalizeH="0" baseline="0" noProof="0">
+                        <a:rPr kumimoji="0" lang="ja-jp" sz="900" b="0" i="0" u="none" strike="noStrike" kern="1200" cap="none" spc="0" normalizeH="0" baseline="0" noProof="0">
                           <a:ln>
                             <a:noFill/>
                           </a:ln>
@@ -7130,9 +7137,43 @@
                           <a:ea typeface="+mn-ea"/>
                           <a:cs typeface="+mn-cs"/>
                         </a:rPr>
-                        <a:t>Customer's business functions have minor service degradation but there exists a solution/workaround allowing business functions to continue normally. </a:t>
+                        <a:t>客户的企业功能发生轻微的服务降级</a:t>
                       </a:r>
-                      <a:endParaRPr lang="en-US" sz="900" b="0" i="0" spc="0">
+                      <a:r>
+                        <a:rPr kumimoji="0" lang="ja-JP" altLang="en-US" sz="900" b="0" i="0" u="none" strike="noStrike" kern="1200" cap="none" spc="0" normalizeH="0" baseline="0" noProof="0">
+                          <a:ln>
+                            <a:noFill/>
+                          </a:ln>
+                          <a:solidFill>
+                            <a:srgbClr val="000000"/>
+                          </a:solidFill>
+                          <a:effectLst/>
+                          <a:uLnTx/>
+                          <a:uFillTx/>
+                          <a:latin typeface="Adobe Clean Light" panose="020B0303020404020204" pitchFamily="34" charset="0"/>
+                          <a:ea typeface="+mn-ea"/>
+                          <a:cs typeface="+mn-cs"/>
+                        </a:rPr>
+                        <a:t>、</a:t>
+                      </a:r>
+                      <a:r>
+                        <a:rPr kumimoji="0" lang="ja-jp" sz="900" b="0" i="0" u="none" strike="noStrike" kern="1200" cap="none" spc="0" normalizeH="0" baseline="0" noProof="0">
+                          <a:ln>
+                            <a:noFill/>
+                          </a:ln>
+                          <a:solidFill>
+                            <a:srgbClr val="000000"/>
+                          </a:solidFill>
+                          <a:effectLst/>
+                          <a:uLnTx/>
+                          <a:uFillTx/>
+                          <a:latin typeface="Adobe Clean Light" panose="020B0303020404020204" pitchFamily="34" charset="0"/>
+                          <a:ea typeface="+mn-ea"/>
+                          <a:cs typeface="+mn-cs"/>
+                        </a:rPr>
+                        <a:t>但拥有可让企业功能继续有效的解决方案/解决方法。</a:t>
+                      </a:r>
+                      <a:endParaRPr lang="en-US" sz="900" b="0" i="0" spc="0" dirty="0">
                         <a:latin typeface="Adobe Clean Light" panose="020B0303020404020204" pitchFamily="34" charset="0"/>
                         <a:cs typeface="AdobeClean-Light"/>
                       </a:endParaRPr>
@@ -7185,14 +7226,14 @@
                         </a:tabLst>
                       </a:pPr>
                       <a:r>
-                        <a:rPr lang="en-US" sz="900" spc="0">
+                        <a:rPr lang="ja-jp" sz="900" spc="0">
                           <a:solidFill>
                             <a:srgbClr val="020302"/>
                           </a:solidFill>
                           <a:latin typeface="AdobeClean-Light"/>
                           <a:cs typeface="AdobeClean-Light"/>
                         </a:rPr>
-                        <a:t>Business day /   </a:t>
+                        <a:t>工作日/   </a:t>
                       </a:r>
                     </a:p>
                     <a:p>
@@ -7205,14 +7246,14 @@
                         </a:spcBef>
                       </a:pPr>
                       <a:r>
-                        <a:rPr lang="en-US" sz="900" spc="0">
+                        <a:rPr lang="ja-jp" sz="900" spc="0">
                           <a:solidFill>
                             <a:srgbClr val="020302"/>
                           </a:solidFill>
                           <a:latin typeface="AdobeClean-Light"/>
                           <a:cs typeface="AdobeClean-Light"/>
                         </a:rPr>
-                        <a:t>4 hours</a:t>
+                        <a:t>4 小时</a:t>
                       </a:r>
                       <a:endParaRPr lang="en-US" sz="900" spc="0">
                         <a:latin typeface="AdobeClean-Light"/>
@@ -7418,14 +7459,14 @@
                         </a:spcBef>
                       </a:pPr>
                       <a:r>
-                        <a:rPr sz="900" b="1" spc="0">
+                        <a:rPr lang="ja-jp" sz="900" b="1" spc="0">
                           <a:solidFill>
                             <a:srgbClr val="020302"/>
                           </a:solidFill>
                           <a:latin typeface="Adobe Clean"/>
                           <a:cs typeface="Adobe Clean"/>
                         </a:rPr>
-                        <a:t>PRIORITY 4</a:t>
+                        <a:t>优先级 4</a:t>
                       </a:r>
                       <a:endParaRPr sz="900" spc="0">
                         <a:latin typeface="Adobe Clean"/>
@@ -7451,14 +7492,14 @@
                         <a:defRPr/>
                       </a:pPr>
                       <a:r>
-                        <a:rPr lang="en-US" sz="900" b="0" i="0" spc="0">
+                        <a:rPr lang="ja-jp" sz="900" b="0" i="0" spc="0">
                           <a:solidFill>
                             <a:srgbClr val="000000"/>
                           </a:solidFill>
                           <a:effectLst/>
                           <a:latin typeface="Adobe Clean Light" panose="020B0303020404020204" pitchFamily="34" charset="0"/>
                         </a:rPr>
-                        <a:t>General question regarding current product functionality or an enhancement request.</a:t>
+                        <a:t>有关当前产品功能或增强请求的常见问题。</a:t>
                       </a:r>
                       <a:endParaRPr sz="900" b="0" i="0" spc="0">
                         <a:latin typeface="Adobe Clean Light" panose="020B0303020404020204" pitchFamily="34" charset="0"/>
@@ -7513,14 +7554,14 @@
                         </a:tabLst>
                       </a:pPr>
                       <a:r>
-                        <a:rPr lang="en-US" sz="900" spc="0" dirty="0">
+                        <a:rPr lang="ja-jp" sz="900" spc="0" dirty="0">
                           <a:solidFill>
                             <a:srgbClr val="020302"/>
                           </a:solidFill>
                           <a:latin typeface="AdobeClean-Light"/>
                           <a:cs typeface="AdobeClean-Light"/>
                         </a:rPr>
-                        <a:t>  Business day /   </a:t>
+                        <a:t>  工作日/   </a:t>
                       </a:r>
                     </a:p>
                     <a:p>
@@ -7533,14 +7574,14 @@
                         </a:spcBef>
                       </a:pPr>
                       <a:r>
-                        <a:rPr lang="en-US" sz="900" spc="0" dirty="0">
+                        <a:rPr lang="ja-jp" sz="900" spc="0" dirty="0">
                           <a:solidFill>
                             <a:srgbClr val="020302"/>
                           </a:solidFill>
                           <a:latin typeface="AdobeClean-Light"/>
                           <a:cs typeface="AdobeClean-Light"/>
                         </a:rPr>
-                        <a:t>1 day </a:t>
+                        <a:t>1 天</a:t>
                       </a:r>
                       <a:endParaRPr lang="en-US" sz="900" spc="0" dirty="0">
                         <a:latin typeface="AdobeClean-Light"/>
@@ -7864,35 +7905,35 @@
               </a:spcBef>
             </a:pPr>
             <a:r>
-              <a:rPr lang="en-US" spc="-10" dirty="0"/>
+              <a:rPr lang="ja-jp" spc="-10" dirty="0"/>
               <a:t>©202</a:t>
             </a:r>
             <a:r>
-              <a:rPr lang="en-US" spc="-5" dirty="0"/>
-              <a:t>2 Adobe. All</a:t>
-            </a:r>
-            <a:r>
-              <a:rPr lang="en-US" spc="-10" dirty="0"/>
+              <a:rPr lang="ja-jp" spc="-5" dirty="0"/>
+              <a:t>2 Adobe。All</a:t>
+            </a:r>
+            <a:r>
+              <a:rPr lang="ja-jp" spc="-10" dirty="0"/>
               <a:t> Rights</a:t>
             </a:r>
             <a:r>
-              <a:rPr lang="en-US" spc="-5" dirty="0"/>
+              <a:rPr lang="ja-jp" spc="-5" dirty="0"/>
               <a:t> </a:t>
             </a:r>
             <a:r>
-              <a:rPr lang="en-US" spc="-10" dirty="0"/>
+              <a:rPr lang="ja-jp" spc="-10" dirty="0"/>
               <a:t>Reserved.</a:t>
             </a:r>
             <a:r>
-              <a:rPr lang="en-US" spc="-5" dirty="0"/>
-              <a:t> Adobe</a:t>
-            </a:r>
-            <a:r>
-              <a:rPr lang="en-US" spc="60" dirty="0"/>
+              <a:rPr lang="ja-jp" spc="-5" dirty="0"/>
+              <a:t>Adobe</a:t>
+            </a:r>
+            <a:r>
+              <a:rPr lang="ja-jp" spc="60" dirty="0"/>
               <a:t> </a:t>
             </a:r>
             <a:r>
-              <a:rPr lang="en-US" spc="-10" dirty="0"/>
+              <a:rPr lang="ja-jp" spc="-10" dirty="0"/>
               <a:t>Confidential.</a:t>
             </a:r>
           </a:p>
@@ -8070,7 +8111,7 @@
         <p:spPr>
           <a:xfrm>
             <a:off x="371909" y="1607065"/>
-            <a:ext cx="2148840" cy="738536"/>
+            <a:ext cx="2148840" cy="560987"/>
           </a:xfrm>
           <a:prstGeom prst="rect">
             <a:avLst/>
@@ -8091,10 +8132,34 @@
               </a:spcBef>
             </a:pPr>
             <a:r>
-              <a:rPr lang="en-US" sz="1000" dirty="0">
+              <a:rPr lang="ja-jp" sz="1000" dirty="0">
                 <a:latin typeface="Adobe Clean Light" panose="020B0303020404020204" pitchFamily="34" charset="0"/>
               </a:rPr>
-              <a:t>An assigned Account Support Lead to monitor case progress and function as your escalation point and internal advocate within Adobe Support.</a:t>
+              <a:t>指定的客户支持主管负责监控案例</a:t>
+            </a:r>
+            <a:r>
+              <a:rPr lang="ja-jp" sz="1000">
+                <a:latin typeface="Adobe Clean Light" panose="020B0303020404020204" pitchFamily="34" charset="0"/>
+              </a:rPr>
+              <a:t>进展</a:t>
+            </a:r>
+            <a:r>
+              <a:rPr lang="ja-JP" altLang="en-US" sz="1000">
+                <a:latin typeface="Adobe Clean Light" panose="020B0303020404020204" pitchFamily="34" charset="0"/>
+              </a:rPr>
+              <a:t>、</a:t>
+            </a:r>
+            <a:r>
+              <a:rPr lang="ja-jp" sz="1000">
+                <a:latin typeface="Adobe Clean Light" panose="020B0303020404020204" pitchFamily="34" charset="0"/>
+              </a:rPr>
+              <a:t>并</a:t>
+            </a:r>
+            <a:r>
+              <a:rPr lang="ja-jp" sz="1000" dirty="0">
+                <a:latin typeface="Adobe Clean Light" panose="020B0303020404020204" pitchFamily="34" charset="0"/>
+              </a:rPr>
+              <a:t>在 Adobe 支持中充当上报点和内部宣传人员。</a:t>
             </a:r>
             <a:endParaRPr lang="en-US" sz="1000" dirty="0">
               <a:latin typeface="Adobe Clean Light" panose="020B0303020404020204" pitchFamily="34" charset="0"/>
@@ -8170,13 +8235,13 @@
               </a:spcAft>
             </a:pPr>
             <a:r>
-              <a:rPr lang="en-US" sz="1200" b="1" spc="-10" dirty="0">
+              <a:rPr lang="ja-jp" sz="1200" b="1" spc="-10" dirty="0">
                 <a:solidFill>
                   <a:srgbClr val="020302"/>
                 </a:solidFill>
                 <a:latin typeface="Adobe Clean" panose="020B0503020404020204" pitchFamily="34" charset="0"/>
               </a:rPr>
-              <a:t>Account Support Lead</a:t>
+              <a:t>客户支持主管</a:t>
             </a:r>
           </a:p>
         </p:txBody>
@@ -8265,14 +8330,14 @@
               </a:spcBef>
             </a:pPr>
             <a:r>
-              <a:rPr lang="en-US" sz="1400" b="1" spc="-10" dirty="0">
+              <a:rPr lang="ja-jp" sz="1400" b="1" spc="-10" dirty="0">
                 <a:solidFill>
                   <a:srgbClr val="020302"/>
                 </a:solidFill>
                 <a:latin typeface="Adobe Clean"/>
                 <a:cs typeface="Adobe Clean"/>
               </a:rPr>
-              <a:t>Standard Support Features</a:t>
+              <a:t>标准支持功能</a:t>
             </a:r>
             <a:endParaRPr lang="en-US" sz="1400" dirty="0">
               <a:latin typeface="Adobe Clean"/>
@@ -8365,14 +8430,14 @@
               </a:spcBef>
             </a:pPr>
             <a:r>
-              <a:rPr lang="en-US" sz="1400" b="1" spc="-10" dirty="0">
+              <a:rPr lang="ja-jp" sz="1400" b="1" spc="-10" dirty="0">
                 <a:solidFill>
                   <a:srgbClr val="020302"/>
                 </a:solidFill>
                 <a:latin typeface="Adobe Clean"/>
                 <a:cs typeface="Adobe Clean"/>
               </a:rPr>
-              <a:t>Business Support Features</a:t>
+              <a:t>商业支持功能</a:t>
             </a:r>
             <a:endParaRPr lang="en-US" sz="1400" dirty="0">
               <a:latin typeface="Adobe Clean"/>
@@ -8396,7 +8461,7 @@
         <p:spPr>
           <a:xfrm>
             <a:off x="2793313" y="1593956"/>
-            <a:ext cx="2148840" cy="497572"/>
+            <a:ext cx="2148840" cy="343684"/>
           </a:xfrm>
           <a:prstGeom prst="rect">
             <a:avLst/>
@@ -8414,11 +8479,39 @@
               </a:spcBef>
             </a:pPr>
             <a:r>
-              <a:rPr lang="en-US" sz="1000" dirty="0">
+              <a:rPr lang="ja-jp" sz="1000" dirty="0">
                 <a:latin typeface="Adobe Clean Light" panose="020B0303020404020204" pitchFamily="34" charset="0"/>
                 <a:cs typeface="AdobeClean-Light"/>
               </a:rPr>
-              <a:t>Receive prioritized routing to ensure faster connection to more senior support resources on submitted cases. </a:t>
+              <a:t>接收优先级</a:t>
+            </a:r>
+            <a:r>
+              <a:rPr lang="ja-jp" sz="1000">
+                <a:latin typeface="Adobe Clean Light" panose="020B0303020404020204" pitchFamily="34" charset="0"/>
+                <a:cs typeface="AdobeClean-Light"/>
+              </a:rPr>
+              <a:t>路由</a:t>
+            </a:r>
+            <a:r>
+              <a:rPr lang="ja-JP" altLang="en-US" sz="1000">
+                <a:latin typeface="Adobe Clean Light" panose="020B0303020404020204" pitchFamily="34" charset="0"/>
+                <a:cs typeface="AdobeClean-Light"/>
+              </a:rPr>
+              <a:t>、</a:t>
+            </a:r>
+            <a:r>
+              <a:rPr lang="ja-jp" sz="1000">
+                <a:latin typeface="Adobe Clean Light" panose="020B0303020404020204" pitchFamily="34" charset="0"/>
+                <a:cs typeface="AdobeClean-Light"/>
+              </a:rPr>
+              <a:t>确</a:t>
+            </a:r>
+            <a:r>
+              <a:rPr lang="ja-jp" sz="1000" dirty="0">
+                <a:latin typeface="Adobe Clean Light" panose="020B0303020404020204" pitchFamily="34" charset="0"/>
+                <a:cs typeface="AdobeClean-Light"/>
+              </a:rPr>
+              <a:t>保更快地连接到已提交案例的更高级支持资源。</a:t>
             </a:r>
           </a:p>
         </p:txBody>
@@ -8461,13 +8554,13 @@
               </a:spcAft>
             </a:pPr>
             <a:r>
-              <a:rPr lang="en-US" sz="1200" b="1" spc="-10" dirty="0">
+              <a:rPr lang="ja-jp" sz="1200" b="1" spc="-10" dirty="0">
                 <a:solidFill>
                   <a:srgbClr val="020302"/>
                 </a:solidFill>
                 <a:latin typeface="Adobe Clean" panose="020B0503020404020204" pitchFamily="34" charset="0"/>
               </a:rPr>
-              <a:t>Priority Case Routing</a:t>
+              <a:t>优先级案例路由</a:t>
             </a:r>
           </a:p>
         </p:txBody>
@@ -8487,7 +8580,7 @@
         <p:spPr>
           <a:xfrm>
             <a:off x="5346216" y="1596236"/>
-            <a:ext cx="2148840" cy="651460"/>
+            <a:ext cx="2148840" cy="497572"/>
           </a:xfrm>
           <a:prstGeom prst="rect">
             <a:avLst/>
@@ -8508,10 +8601,58 @@
               </a:spcBef>
             </a:pPr>
             <a:r>
-              <a:rPr lang="en-US" sz="1000" dirty="0">
+              <a:rPr lang="ja-jp" sz="1000" dirty="0">
                 <a:latin typeface="Adobe Clean Light" panose="020B0303020404020204" pitchFamily="34" charset="0"/>
               </a:rPr>
-              <a:t>A designated point of contact within Adobe who can provide escalation assistance, regular updates and ensure priority is given to your most critical open support requests.</a:t>
+              <a:t>Adobe 内部的指定联</a:t>
+            </a:r>
+            <a:r>
+              <a:rPr lang="ja-jp" sz="1000">
+                <a:latin typeface="Adobe Clean Light" panose="020B0303020404020204" pitchFamily="34" charset="0"/>
+              </a:rPr>
+              <a:t>系人</a:t>
+            </a:r>
+            <a:r>
+              <a:rPr lang="ja-JP" altLang="en-US" sz="1000">
+                <a:latin typeface="Adobe Clean Light" panose="020B0303020404020204" pitchFamily="34" charset="0"/>
+              </a:rPr>
+              <a:t>、</a:t>
+            </a:r>
+            <a:r>
+              <a:rPr lang="ja-jp" sz="1000">
+                <a:latin typeface="Adobe Clean Light" panose="020B0303020404020204" pitchFamily="34" charset="0"/>
+              </a:rPr>
+              <a:t>可</a:t>
+            </a:r>
+            <a:r>
+              <a:rPr lang="ja-jp" sz="1000" dirty="0">
+                <a:latin typeface="Adobe Clean Light" panose="020B0303020404020204" pitchFamily="34" charset="0"/>
+              </a:rPr>
+              <a:t>以提供上报协助和定期</a:t>
+            </a:r>
+            <a:r>
+              <a:rPr lang="ja-jp" sz="1000">
+                <a:latin typeface="Adobe Clean Light" panose="020B0303020404020204" pitchFamily="34" charset="0"/>
+              </a:rPr>
+              <a:t>更新</a:t>
+            </a:r>
+            <a:r>
+              <a:rPr lang="ja-JP" altLang="en-US" sz="1000">
+                <a:latin typeface="Adobe Clean Light" panose="020B0303020404020204" pitchFamily="34" charset="0"/>
+              </a:rPr>
+              <a:t>、</a:t>
+            </a:r>
+            <a:r>
+              <a:rPr lang="ja-jp" sz="1000">
+                <a:latin typeface="Adobe Clean Light" panose="020B0303020404020204" pitchFamily="34" charset="0"/>
+              </a:rPr>
+              <a:t>确</a:t>
+            </a:r>
+            <a:r>
+              <a:rPr lang="ja-jp" sz="1000" dirty="0">
+                <a:latin typeface="Adobe Clean Light" panose="020B0303020404020204" pitchFamily="34" charset="0"/>
+              </a:rPr>
+              <a:t>保优先处理最重要的未完成支持请求。</a:t>
             </a:r>
             <a:endParaRPr lang="en-US" sz="1000" dirty="0">
               <a:latin typeface="Adobe Clean Light" panose="020B0303020404020204" pitchFamily="34" charset="0"/>
@@ -8558,13 +8699,13 @@
               </a:spcAft>
             </a:pPr>
             <a:r>
-              <a:rPr lang="en-US" sz="1200" b="1" spc="-10" dirty="0">
+              <a:rPr lang="ja-jp" sz="1200" b="1" spc="-10" dirty="0">
                 <a:solidFill>
                   <a:srgbClr val="020302"/>
                 </a:solidFill>
                 <a:latin typeface="Adobe Clean" panose="020B0503020404020204" pitchFamily="34" charset="0"/>
               </a:rPr>
-              <a:t>Escalation Management</a:t>
+              <a:t>上报管理</a:t>
             </a:r>
           </a:p>
         </p:txBody>
@@ -8598,10 +8739,10 @@
           <a:lstStyle/>
           <a:p>
             <a:r>
-              <a:rPr lang="en-US" sz="1200" b="1" dirty="0">
+              <a:rPr lang="ja-jp" sz="1200" b="1" dirty="0">
                 <a:latin typeface="Adobe Clean" panose="020B0503020404020204" pitchFamily="34" charset="0"/>
               </a:rPr>
-              <a:t>Accelerated Issue Prioritization</a:t>
+              <a:t>已加快问题优先处理</a:t>
             </a:r>
           </a:p>
         </p:txBody>
@@ -8621,7 +8762,7 @@
         <p:spPr>
           <a:xfrm>
             <a:off x="2850511" y="3943707"/>
-            <a:ext cx="2148840" cy="497572"/>
+            <a:ext cx="2148840" cy="343684"/>
           </a:xfrm>
           <a:prstGeom prst="rect">
             <a:avLst/>
@@ -8640,11 +8781,39 @@
               <a:defRPr/>
             </a:pPr>
             <a:r>
-              <a:rPr lang="en-US" sz="1000" dirty="0">
+              <a:rPr lang="ja-jp" sz="1000" dirty="0">
                 <a:latin typeface="Adobe Clean Light" panose="020B0303020404020204" pitchFamily="34" charset="0"/>
                 <a:cs typeface="Adobe Clean Light"/>
               </a:rPr>
-              <a:t>Receive higher prioritization on support case work through facilitated engagement with Engineering.</a:t>
+              <a:t>通过促进与工程部门的</a:t>
+            </a:r>
+            <a:r>
+              <a:rPr lang="ja-jp" sz="1000">
+                <a:latin typeface="Adobe Clean Light" panose="020B0303020404020204" pitchFamily="34" charset="0"/>
+                <a:cs typeface="Adobe Clean Light"/>
+              </a:rPr>
+              <a:t>合作</a:t>
+            </a:r>
+            <a:r>
+              <a:rPr lang="ja-JP" altLang="en-US" sz="1000">
+                <a:latin typeface="Adobe Clean Light" panose="020B0303020404020204" pitchFamily="34" charset="0"/>
+                <a:cs typeface="Adobe Clean Light"/>
+              </a:rPr>
+              <a:t>、</a:t>
+            </a:r>
+            <a:r>
+              <a:rPr lang="ja-jp" sz="1000">
+                <a:latin typeface="Adobe Clean Light" panose="020B0303020404020204" pitchFamily="34" charset="0"/>
+                <a:cs typeface="Adobe Clean Light"/>
+              </a:rPr>
+              <a:t>在</a:t>
+            </a:r>
+            <a:r>
+              <a:rPr lang="ja-jp" sz="1000" dirty="0">
+                <a:latin typeface="Adobe Clean Light" panose="020B0303020404020204" pitchFamily="34" charset="0"/>
+                <a:cs typeface="Adobe Clean Light"/>
+              </a:rPr>
+              <a:t>支持案例工作上获得更高的优先级。</a:t>
             </a:r>
           </a:p>
         </p:txBody>
@@ -8797,12 +8966,12 @@
               </a:spcAft>
             </a:pPr>
             <a:r>
-              <a:rPr lang="en-US" sz="1200" b="1" dirty="0">
+              <a:rPr lang="ja-jp" sz="1200" b="1" dirty="0">
                 <a:latin typeface="Adobe Clean" panose="020B0503020404020204" pitchFamily="34" charset="0"/>
                 <a:ea typeface="Open Sans" pitchFamily="34" charset="0"/>
                 <a:cs typeface="Open Sans" pitchFamily="34" charset="0"/>
               </a:rPr>
-              <a:t>Community Forums</a:t>
+              <a:t>社区论坛</a:t>
             </a:r>
           </a:p>
         </p:txBody>
@@ -8822,7 +8991,7 @@
         <p:spPr>
           <a:xfrm>
             <a:off x="441718" y="6777939"/>
-            <a:ext cx="2148840" cy="959237"/>
+            <a:ext cx="2148840" cy="651460"/>
           </a:xfrm>
           <a:prstGeom prst="rect">
             <a:avLst/>
@@ -8835,13 +9004,49 @@
           <a:lstStyle/>
           <a:p>
             <a:r>
-              <a:rPr lang="en-US" sz="1000" dirty="0">
+              <a:rPr lang="ja-jp" sz="1000" dirty="0">
                 <a:solidFill>
                   <a:srgbClr val="000000"/>
                 </a:solidFill>
                 <a:latin typeface="Adobe Clean Light" panose="020B0303020404020204" pitchFamily="34" charset="0"/>
               </a:rPr>
-              <a:t>Continuous online access to a growing database of technical solutions, product documentation, FAQs and more. Connect with other customers on Adobe Community to share best practices and lessons learned..</a:t>
+              <a:t>持续在线访问包括技术解决方案、产品文档、常见问题解答等的不断增长的数据库。在 Adobe 社区与其他客户</a:t>
+            </a:r>
+            <a:r>
+              <a:rPr lang="ja-jp" sz="1000">
+                <a:solidFill>
+                  <a:srgbClr val="000000"/>
+                </a:solidFill>
+                <a:latin typeface="Adobe Clean Light" panose="020B0303020404020204" pitchFamily="34" charset="0"/>
+              </a:rPr>
+              <a:t>联系</a:t>
+            </a:r>
+            <a:r>
+              <a:rPr lang="ja-JP" altLang="en-US" sz="1000">
+                <a:solidFill>
+                  <a:srgbClr val="000000"/>
+                </a:solidFill>
+                <a:latin typeface="Adobe Clean Light" panose="020B0303020404020204" pitchFamily="34" charset="0"/>
+              </a:rPr>
+              <a:t>、</a:t>
+            </a:r>
+            <a:r>
+              <a:rPr lang="ja-jp" sz="1000">
+                <a:solidFill>
+                  <a:srgbClr val="000000"/>
+                </a:solidFill>
+                <a:latin typeface="Adobe Clean Light" panose="020B0303020404020204" pitchFamily="34" charset="0"/>
+              </a:rPr>
+              <a:t>共</a:t>
+            </a:r>
+            <a:r>
+              <a:rPr lang="ja-jp" sz="1000" dirty="0">
+                <a:solidFill>
+                  <a:srgbClr val="000000"/>
+                </a:solidFill>
+                <a:latin typeface="Adobe Clean Light" panose="020B0303020404020204" pitchFamily="34" charset="0"/>
+              </a:rPr>
+              <a:t>享最佳实践和经验教训...</a:t>
             </a:r>
           </a:p>
         </p:txBody>
@@ -8884,12 +9089,12 @@
               </a:spcAft>
             </a:pPr>
             <a:r>
-              <a:rPr lang="en-US" sz="1200" b="1" dirty="0">
+              <a:rPr lang="ja-jp" sz="1200" b="1" dirty="0">
                 <a:latin typeface="Adobe Clean" panose="020B0503020404020204" pitchFamily="34" charset="0"/>
                 <a:ea typeface="Open Sans" pitchFamily="34" charset="0"/>
                 <a:cs typeface="Open Sans" pitchFamily="34" charset="0"/>
               </a:rPr>
-              <a:t>Self-Help Portal</a:t>
+              <a:t>自助门户</a:t>
             </a:r>
           </a:p>
         </p:txBody>
@@ -8909,7 +9114,7 @@
         <p:spPr>
           <a:xfrm>
             <a:off x="2930461" y="6767810"/>
-            <a:ext cx="2148840" cy="805349"/>
+            <a:ext cx="2148840" cy="497572"/>
           </a:xfrm>
           <a:prstGeom prst="rect">
             <a:avLst/>
@@ -8922,13 +9127,85 @@
           <a:lstStyle/>
           <a:p>
             <a:r>
-              <a:rPr lang="en-US" sz="1000" dirty="0">
+              <a:rPr lang="ja-jp" sz="1000" dirty="0">
                 <a:solidFill>
                   <a:srgbClr val="000000"/>
                 </a:solidFill>
                 <a:latin typeface="Adobe Clean Light" panose="020B0303020404020204" pitchFamily="34" charset="0"/>
               </a:rPr>
-              <a:t>On-demand access to the online Self-help Support Portal review case status, and browse other resources, like our  news and alerts, knowledge base, featured tips, and more.</a:t>
+              <a:t>按需访问在线自助支持</a:t>
+            </a:r>
+            <a:r>
+              <a:rPr lang="ja-jp" sz="1000">
+                <a:solidFill>
+                  <a:srgbClr val="000000"/>
+                </a:solidFill>
+                <a:latin typeface="Adobe Clean Light" panose="020B0303020404020204" pitchFamily="34" charset="0"/>
+              </a:rPr>
+              <a:t>门户</a:t>
+            </a:r>
+            <a:r>
+              <a:rPr lang="ja-JP" altLang="en-US" sz="1000">
+                <a:solidFill>
+                  <a:srgbClr val="000000"/>
+                </a:solidFill>
+                <a:latin typeface="Adobe Clean Light" panose="020B0303020404020204" pitchFamily="34" charset="0"/>
+              </a:rPr>
+              <a:t>、</a:t>
+            </a:r>
+            <a:r>
+              <a:rPr lang="ja-jp" sz="1000">
+                <a:solidFill>
+                  <a:srgbClr val="000000"/>
+                </a:solidFill>
+                <a:latin typeface="Adobe Clean Light" panose="020B0303020404020204" pitchFamily="34" charset="0"/>
+              </a:rPr>
+              <a:t>查</a:t>
+            </a:r>
+            <a:r>
+              <a:rPr lang="ja-jp" sz="1000" dirty="0">
+                <a:solidFill>
+                  <a:srgbClr val="000000"/>
+                </a:solidFill>
+                <a:latin typeface="Adobe Clean Light" panose="020B0303020404020204" pitchFamily="34" charset="0"/>
+              </a:rPr>
+              <a:t>看案例状态并浏览其他</a:t>
+            </a:r>
+            <a:r>
+              <a:rPr lang="ja-jp" sz="1000">
+                <a:solidFill>
+                  <a:srgbClr val="000000"/>
+                </a:solidFill>
+                <a:latin typeface="Adobe Clean Light" panose="020B0303020404020204" pitchFamily="34" charset="0"/>
+              </a:rPr>
+              <a:t>资源</a:t>
+            </a:r>
+            <a:r>
+              <a:rPr lang="ja-JP" altLang="en-US" sz="1000">
+                <a:solidFill>
+                  <a:srgbClr val="000000"/>
+                </a:solidFill>
+                <a:latin typeface="Adobe Clean Light" panose="020B0303020404020204" pitchFamily="34" charset="0"/>
+              </a:rPr>
+              <a:t>、</a:t>
+            </a:r>
+            <a:r>
+              <a:rPr lang="ja-jp" sz="1000">
+                <a:solidFill>
+                  <a:srgbClr val="000000"/>
+                </a:solidFill>
+                <a:latin typeface="Adobe Clean Light" panose="020B0303020404020204" pitchFamily="34" charset="0"/>
+              </a:rPr>
+              <a:t>例</a:t>
+            </a:r>
+            <a:r>
+              <a:rPr lang="ja-jp" sz="1000" dirty="0">
+                <a:solidFill>
+                  <a:srgbClr val="000000"/>
+                </a:solidFill>
+                <a:latin typeface="Adobe Clean Light" panose="020B0303020404020204" pitchFamily="34" charset="0"/>
+              </a:rPr>
+              <a:t>如我们的新闻和通知、知识库、特定提示等。</a:t>
             </a:r>
           </a:p>
         </p:txBody>
@@ -8972,104 +9249,94 @@
               </a:tabLst>
             </a:pPr>
             <a:r>
-              <a:rPr lang="en-US" sz="1000" spc="-20" dirty="0">
+              <a:rPr lang="ja-jp" sz="1000" spc="-20" dirty="0">
                 <a:solidFill>
                   <a:srgbClr val="020302"/>
                 </a:solidFill>
                 <a:latin typeface="AdobeClean-Light"/>
                 <a:cs typeface="AdobeClean-Light"/>
               </a:rPr>
-              <a:t>Authorized Users (Admins) can start a chat session with Adobe Support </a:t>
-            </a:r>
-            <a:r>
-              <a:rPr lang="en-US" sz="1000" spc="-5" dirty="0">
+              <a:t>授权用户（管理员）可以通过 Adobe 支持启动聊天会话</a:t>
+            </a:r>
+            <a:r>
+              <a:rPr lang="ja-jp" sz="1000" spc="-5" dirty="0">
                 <a:solidFill>
                   <a:srgbClr val="020302"/>
                 </a:solidFill>
                 <a:latin typeface="AdobeClean-Light"/>
                 <a:cs typeface="AdobeClean-Light"/>
               </a:rPr>
-              <a:t>to </a:t>
-            </a:r>
-            <a:r>
-              <a:rPr lang="en-US" sz="1000" spc="-10" dirty="0">
+              <a:t>以</a:t>
+            </a:r>
+            <a:r>
+              <a:rPr lang="ja-jp" sz="1000" spc="-10" dirty="0">
                 <a:solidFill>
                   <a:srgbClr val="020302"/>
                 </a:solidFill>
                 <a:latin typeface="AdobeClean-Light"/>
                 <a:cs typeface="AdobeClean-Light"/>
               </a:rPr>
-              <a:t>get </a:t>
-            </a:r>
-            <a:r>
-              <a:rPr lang="en-US" sz="1000" spc="-20" dirty="0">
+              <a:t>获取</a:t>
+            </a:r>
+            <a:r>
+              <a:rPr lang="ja-jp" sz="1000" spc="-20" dirty="0">
                 <a:solidFill>
                   <a:srgbClr val="020302"/>
                 </a:solidFill>
                 <a:latin typeface="AdobeClean-Light"/>
                 <a:cs typeface="AdobeClean-Light"/>
               </a:rPr>
-              <a:t>answers</a:t>
-            </a:r>
-            <a:r>
-              <a:rPr lang="en-US" sz="1000" spc="-45" dirty="0">
+              <a:t>答案</a:t>
+            </a:r>
+            <a:r>
+              <a:rPr lang="ja-jp" sz="1000" spc="-45" dirty="0">
                 <a:solidFill>
                   <a:srgbClr val="020302"/>
                 </a:solidFill>
                 <a:latin typeface="AdobeClean-Light"/>
                 <a:cs typeface="AdobeClean-Light"/>
               </a:rPr>
-              <a:t> and </a:t>
-            </a:r>
-            <a:r>
-              <a:rPr lang="en-US" sz="1000" spc="-15" dirty="0">
+              <a:t>并</a:t>
+            </a:r>
+            <a:r>
+              <a:rPr lang="ja-jp" sz="1000" spc="-15" dirty="0">
                 <a:solidFill>
                   <a:srgbClr val="020302"/>
                 </a:solidFill>
                 <a:latin typeface="AdobeClean-Light"/>
                 <a:cs typeface="AdobeClean-Light"/>
               </a:rPr>
-              <a:t>help </a:t>
-            </a:r>
-            <a:r>
-              <a:rPr lang="en-US" sz="1000" spc="-10" dirty="0">
+              <a:t>帮助</a:t>
+            </a:r>
+            <a:r>
+              <a:rPr lang="ja-jp" sz="1000" spc="85" dirty="0">
                 <a:solidFill>
                   <a:srgbClr val="020302"/>
                 </a:solidFill>
                 <a:latin typeface="AdobeClean-Light"/>
                 <a:cs typeface="AdobeClean-Light"/>
               </a:rPr>
-              <a:t>with</a:t>
-            </a:r>
-            <a:r>
-              <a:rPr lang="en-US" sz="1000" spc="85" dirty="0">
+              <a:t> </a:t>
+            </a:r>
+            <a:r>
+              <a:rPr lang="ja-jp" sz="1000" spc="-10" dirty="0">
                 <a:solidFill>
                   <a:srgbClr val="020302"/>
                 </a:solidFill>
                 <a:latin typeface="AdobeClean-Light"/>
                 <a:cs typeface="AdobeClean-Light"/>
               </a:rPr>
-              <a:t> </a:t>
-            </a:r>
-            <a:r>
-              <a:rPr lang="en-US" sz="1000" spc="-10" dirty="0">
+              <a:t>提交</a:t>
+            </a:r>
+            <a:r>
+              <a:rPr lang="ja-jp" sz="1000" spc="-20" dirty="0">
                 <a:solidFill>
                   <a:srgbClr val="020302"/>
                 </a:solidFill>
                 <a:latin typeface="AdobeClean-Light"/>
                 <a:cs typeface="AdobeClean-Light"/>
               </a:rPr>
-              <a:t>case </a:t>
-            </a:r>
-            <a:r>
-              <a:rPr lang="en-US" sz="1000" spc="-20" dirty="0">
-                <a:solidFill>
-                  <a:srgbClr val="020302"/>
-                </a:solidFill>
-                <a:latin typeface="AdobeClean-Light"/>
-                <a:cs typeface="AdobeClean-Light"/>
-              </a:rPr>
-              <a:t>submission.</a:t>
+              <a:t>案例。</a:t>
             </a:r>
           </a:p>
           <a:p>
@@ -9085,14 +9352,14 @@
               </a:tabLst>
             </a:pPr>
             <a:r>
-              <a:rPr lang="en-US" sz="1000" i="1" spc="-10" dirty="0">
+              <a:rPr lang="ja-jp" sz="1000" i="1" spc="-10" dirty="0">
                 <a:solidFill>
                   <a:srgbClr val="7A7A7A"/>
                 </a:solidFill>
                 <a:latin typeface="AdobeClean-LightIt"/>
                 <a:cs typeface="AdobeClean-LightIt"/>
               </a:rPr>
-              <a:t>Subject to local hours</a:t>
+              <a:t>以当地时间为准</a:t>
             </a:r>
             <a:endParaRPr lang="en-US" sz="1000" dirty="0">
               <a:latin typeface="AdobeClean-Light"/>
@@ -9139,12 +9406,12 @@
               </a:spcAft>
             </a:pPr>
             <a:r>
-              <a:rPr lang="en-US" sz="1200" b="1" dirty="0">
+              <a:rPr lang="ja-jp" sz="1200" b="1" dirty="0">
                 <a:latin typeface="Adobe Clean" panose="020B0503020404020204" pitchFamily="34" charset="0"/>
                 <a:ea typeface="Open Sans" pitchFamily="34" charset="0"/>
                 <a:cs typeface="Open Sans" pitchFamily="34" charset="0"/>
               </a:rPr>
-              <a:t>Chat Support</a:t>
+              <a:t>聊天支持</a:t>
             </a:r>
           </a:p>
         </p:txBody>
@@ -9187,12 +9454,12 @@
               </a:spcAft>
             </a:pPr>
             <a:r>
-              <a:rPr lang="en-US" sz="1200" b="1" dirty="0">
+              <a:rPr lang="ja-jp" sz="1200" b="1" dirty="0">
                 <a:latin typeface="Adobe Clean" panose="020B0503020404020204" pitchFamily="34" charset="0"/>
                 <a:ea typeface="Open Sans" pitchFamily="34" charset="0"/>
                 <a:cs typeface="Open Sans" pitchFamily="34" charset="0"/>
               </a:rPr>
-              <a:t>Phone Support</a:t>
+              <a:t>电话支持</a:t>
             </a:r>
           </a:p>
         </p:txBody>
@@ -9225,111 +9492,91 @@
           <a:lstStyle/>
           <a:p>
             <a:r>
-              <a:rPr lang="en-US" sz="1000" dirty="0">
+              <a:rPr lang="ja-jp" sz="1000" dirty="0">
                 <a:solidFill>
                   <a:srgbClr val="020302"/>
                 </a:solidFill>
                 <a:latin typeface="AdobeClean-Light"/>
               </a:rPr>
-              <a:t>Authorized Users (Admins) </a:t>
-            </a:r>
-            <a:r>
-              <a:rPr lang="en-US" sz="1000" dirty="0">
+              <a:t>授权用户（管理员）</a:t>
+            </a:r>
+            <a:r>
+              <a:rPr lang="ja-jp" sz="1000" dirty="0">
                 <a:latin typeface="Adobe Clean Light"/>
               </a:rPr>
-              <a:t>can call Adobe Support via phone </a:t>
-            </a:r>
-            <a:r>
-              <a:rPr lang="en-US" sz="1000" spc="-5" dirty="0">
+              <a:t>可以通过电话调用 Adobe 支持</a:t>
+            </a:r>
+            <a:r>
+              <a:rPr lang="ja-jp" sz="1000" spc="-5" dirty="0">
                 <a:solidFill>
                   <a:srgbClr val="020302"/>
                 </a:solidFill>
                 <a:latin typeface="AdobeClean-Light"/>
                 <a:cs typeface="AdobeClean-Light"/>
               </a:rPr>
-              <a:t>to </a:t>
-            </a:r>
-            <a:r>
-              <a:rPr lang="en-US" sz="1000" spc="-10" dirty="0">
+              <a:t>以</a:t>
+            </a:r>
+            <a:r>
+              <a:rPr lang="ja-jp" sz="1000" spc="-10" dirty="0">
                 <a:solidFill>
                   <a:srgbClr val="020302"/>
                 </a:solidFill>
                 <a:latin typeface="AdobeClean-Light"/>
                 <a:cs typeface="AdobeClean-Light"/>
               </a:rPr>
-              <a:t>get </a:t>
-            </a:r>
-            <a:r>
-              <a:rPr lang="en-US" sz="1000" spc="-20" dirty="0">
+              <a:t>获取</a:t>
+            </a:r>
+            <a:r>
+              <a:rPr lang="ja-jp" sz="1000" spc="-20" dirty="0">
                 <a:solidFill>
                   <a:srgbClr val="020302"/>
                 </a:solidFill>
                 <a:latin typeface="AdobeClean-Light"/>
                 <a:cs typeface="AdobeClean-Light"/>
               </a:rPr>
-              <a:t>answers</a:t>
-            </a:r>
-            <a:r>
-              <a:rPr lang="en-US" sz="1000" spc="-45" dirty="0">
+              <a:t>答案</a:t>
+            </a:r>
+            <a:r>
+              <a:rPr lang="ja-jp" sz="1000" spc="-45" dirty="0">
                 <a:solidFill>
                   <a:srgbClr val="020302"/>
                 </a:solidFill>
                 <a:latin typeface="AdobeClean-Light"/>
                 <a:cs typeface="AdobeClean-Light"/>
               </a:rPr>
-              <a:t> and</a:t>
-            </a:r>
-            <a:r>
-              <a:rPr lang="en-US" sz="1000" dirty="0">
+              <a:t>并</a:t>
+            </a:r>
+            <a:r>
+              <a:rPr lang="ja-jp" sz="1000" spc="-15" dirty="0">
                 <a:solidFill>
                   <a:srgbClr val="020302"/>
                 </a:solidFill>
                 <a:latin typeface="AdobeClean-Light"/>
                 <a:cs typeface="AdobeClean-Light"/>
               </a:rPr>
-              <a:t> </a:t>
-            </a:r>
-            <a:r>
-              <a:rPr lang="en-US" sz="1000" spc="-15" dirty="0">
+              <a:t>帮助</a:t>
+            </a:r>
+            <a:r>
+              <a:rPr lang="ja-jp" sz="1000" spc="-20" dirty="0">
                 <a:solidFill>
                   <a:srgbClr val="020302"/>
                 </a:solidFill>
                 <a:latin typeface="AdobeClean-Light"/>
                 <a:cs typeface="AdobeClean-Light"/>
               </a:rPr>
-              <a:t>help </a:t>
-            </a:r>
-            <a:r>
-              <a:rPr lang="en-US" sz="1000" spc="-10" dirty="0">
-                <a:solidFill>
-                  <a:srgbClr val="020302"/>
-                </a:solidFill>
-                <a:latin typeface="AdobeClean-Light"/>
-                <a:cs typeface="AdobeClean-Light"/>
-              </a:rPr>
-              <a:t>with case </a:t>
-            </a:r>
-            <a:r>
-              <a:rPr lang="en-US" sz="1000" spc="-20" dirty="0">
-                <a:solidFill>
-                  <a:srgbClr val="020302"/>
-                </a:solidFill>
-                <a:latin typeface="AdobeClean-Light"/>
-                <a:cs typeface="AdobeClean-Light"/>
-              </a:rPr>
-              <a:t>submission.</a:t>
+              <a:t>提交案例。</a:t>
             </a:r>
           </a:p>
           <a:p>
             <a:r>
-              <a:rPr lang="en-US" sz="1000" i="1" spc="-10" dirty="0">
+              <a:rPr lang="ja-jp" sz="1000" i="1" spc="-10" dirty="0">
                 <a:solidFill>
                   <a:srgbClr val="7A7A7A"/>
                 </a:solidFill>
                 <a:latin typeface="Adobe Clean Light" panose="020B0303020404020204" pitchFamily="34" charset="0"/>
                 <a:cs typeface="AdobeClean-LightIt"/>
               </a:rPr>
-              <a:t>Subject to local hours</a:t>
+              <a:t>以当地时间为准</a:t>
             </a:r>
             <a:endParaRPr lang="en-US" sz="1000" i="1" dirty="0">
               <a:latin typeface="Adobe Clean Light" panose="020B0303020404020204" pitchFamily="34" charset="0"/>
@@ -9376,12 +9623,12 @@
               </a:spcAft>
             </a:pPr>
             <a:r>
-              <a:rPr lang="en-US" sz="1200" b="1" dirty="0">
+              <a:rPr lang="ja-jp" sz="1200" b="1" dirty="0">
                 <a:latin typeface="Adobe Clean" panose="020B0503020404020204" pitchFamily="34" charset="0"/>
                 <a:ea typeface="Open Sans" pitchFamily="34" charset="0"/>
                 <a:cs typeface="Open Sans" pitchFamily="34" charset="0"/>
               </a:rPr>
-              <a:t>Web Case Submission</a:t>
+              <a:t>网络案例提交</a:t>
             </a:r>
           </a:p>
         </p:txBody>
@@ -9401,7 +9648,7 @@
         <p:spPr>
           <a:xfrm>
             <a:off x="4206461" y="8522198"/>
-            <a:ext cx="2148840" cy="707886"/>
+            <a:ext cx="2148840" cy="553998"/>
           </a:xfrm>
           <a:prstGeom prst="rect">
             <a:avLst/>
@@ -9414,19 +9661,43 @@
           <a:lstStyle/>
           <a:p>
             <a:r>
-              <a:rPr lang="en-US" sz="1000" dirty="0">
+              <a:rPr lang="ja-jp" sz="1000" dirty="0">
                 <a:solidFill>
                   <a:srgbClr val="020302"/>
                 </a:solidFill>
                 <a:latin typeface="AdobeClean-Light"/>
               </a:rPr>
-              <a:t>Authorized Users (Admins) </a:t>
-            </a:r>
-            <a:r>
-              <a:rPr lang="en-US" sz="1000" dirty="0">
+              <a:t>授权用户（管理员）</a:t>
+            </a:r>
+            <a:r>
+              <a:rPr lang="ja-jp" sz="1000" dirty="0">
                 <a:latin typeface="Adobe Clean Light"/>
               </a:rPr>
-              <a:t>can submit unlimited web cases at any time for support issues for review by our technical support team.</a:t>
+              <a:t>可以随时提交不限数量的网络</a:t>
+            </a:r>
+            <a:r>
+              <a:rPr lang="ja-jp" sz="1000">
+                <a:latin typeface="Adobe Clean Light"/>
+              </a:rPr>
+              <a:t>案例</a:t>
+            </a:r>
+            <a:r>
+              <a:rPr lang="ja-JP" altLang="en-US" sz="1000">
+                <a:latin typeface="Adobe Clean Light"/>
+              </a:rPr>
+              <a:t>、</a:t>
+            </a:r>
+            <a:r>
+              <a:rPr lang="ja-jp" sz="1000">
+                <a:latin typeface="Adobe Clean Light"/>
+              </a:rPr>
+              <a:t>供</a:t>
+            </a:r>
+            <a:r>
+              <a:rPr lang="ja-jp" sz="1000" dirty="0">
+                <a:latin typeface="Adobe Clean Light"/>
+              </a:rPr>
+              <a:t>技术支持团队审查支持问题。</a:t>
             </a:r>
             <a:endParaRPr lang="en-US" sz="1000" dirty="0">
               <a:solidFill>
@@ -9941,35 +10212,35 @@
               </a:spcBef>
             </a:pPr>
             <a:r>
-              <a:rPr lang="en-US" spc="-10" dirty="0"/>
+              <a:rPr lang="ja-jp" spc="-10" dirty="0"/>
               <a:t>©202</a:t>
             </a:r>
             <a:r>
-              <a:rPr lang="en-US" spc="-5" dirty="0"/>
-              <a:t>2 Adobe. All</a:t>
-            </a:r>
-            <a:r>
-              <a:rPr lang="en-US" spc="-10" dirty="0"/>
+              <a:rPr lang="ja-jp" spc="-5" dirty="0"/>
+              <a:t>2 Adobe。All</a:t>
+            </a:r>
+            <a:r>
+              <a:rPr lang="ja-jp" spc="-10" dirty="0"/>
               <a:t> Rights</a:t>
             </a:r>
             <a:r>
-              <a:rPr lang="en-US" spc="-5" dirty="0"/>
+              <a:rPr lang="ja-jp" spc="-5" dirty="0"/>
               <a:t> </a:t>
             </a:r>
             <a:r>
-              <a:rPr lang="en-US" spc="-10" dirty="0"/>
+              <a:rPr lang="ja-jp" spc="-10" dirty="0"/>
               <a:t>Reserved.</a:t>
             </a:r>
             <a:r>
-              <a:rPr lang="en-US" spc="-5" dirty="0"/>
-              <a:t> Adobe</a:t>
-            </a:r>
-            <a:r>
-              <a:rPr lang="en-US" spc="60" dirty="0"/>
+              <a:rPr lang="ja-jp" spc="-5" dirty="0"/>
+              <a:t>Adobe</a:t>
+            </a:r>
+            <a:r>
+              <a:rPr lang="ja-jp" spc="60" dirty="0"/>
               <a:t> </a:t>
             </a:r>
             <a:r>
-              <a:rPr lang="en-US" spc="-10" dirty="0"/>
+              <a:rPr lang="ja-jp" spc="-10" dirty="0"/>
               <a:t>Confidential.</a:t>
             </a:r>
           </a:p>
@@ -10027,17 +10298,17 @@
               </a:lnSpc>
             </a:pPr>
             <a:r>
-              <a:rPr sz="500" spc="-5" dirty="0">
+              <a:rPr lang="ja-jp" sz="500" spc="-5" dirty="0">
                 <a:solidFill>
                   <a:srgbClr val="6C6C6C"/>
                 </a:solidFill>
                 <a:latin typeface="Adobe Clean"/>
                 <a:cs typeface="Adobe Clean"/>
               </a:rPr>
-              <a:t>©2020 Adobe. All Rights Reserved. </a:t>
-            </a:r>
-            <a:r>
-              <a:rPr sz="500" dirty="0">
+              <a:t>© 2020 Adobe. All Rights Reserved.</a:t>
+            </a:r>
+            <a:r>
+              <a:rPr lang="ja-jp" sz="500" dirty="0">
                 <a:solidFill>
                   <a:srgbClr val="6C6C6C"/>
                 </a:solidFill>
@@ -10047,7 +10318,7 @@
               <a:t>Adobe</a:t>
             </a:r>
             <a:r>
-              <a:rPr sz="500" spc="5" dirty="0">
+              <a:rPr lang="ja-jp" sz="500" spc="5" dirty="0">
                 <a:solidFill>
                   <a:srgbClr val="6C6C6C"/>
                 </a:solidFill>
@@ -10057,7 +10328,7 @@
               <a:t> </a:t>
             </a:r>
             <a:r>
-              <a:rPr sz="500" spc="-5" dirty="0">
+              <a:rPr lang="ja-jp" sz="500" spc="-5" dirty="0">
                 <a:solidFill>
                   <a:srgbClr val="6C6C6C"/>
                 </a:solidFill>
@@ -10095,17 +10366,17 @@
               </a:spcBef>
             </a:pPr>
             <a:r>
-              <a:rPr sz="800" spc="-5" dirty="0">
+              <a:rPr lang="ja-jp" sz="800" spc="-5" dirty="0">
                 <a:solidFill>
                   <a:srgbClr val="6D6D6D"/>
                 </a:solidFill>
                 <a:latin typeface="Adobe Clean"/>
                 <a:cs typeface="Adobe Clean"/>
               </a:rPr>
-              <a:t>©2020 Adobe. All Rights Reserved. Adobe</a:t>
-            </a:r>
-            <a:r>
-              <a:rPr sz="800" spc="75" dirty="0">
+              <a:t>© 2020 Adobe. All Rights Reserved.Adobe</a:t>
+            </a:r>
+            <a:r>
+              <a:rPr lang="ja-jp" sz="800" spc="75" dirty="0">
                 <a:solidFill>
                   <a:srgbClr val="6D6D6D"/>
                 </a:solidFill>
@@ -10115,7 +10386,7 @@
               <a:t> </a:t>
             </a:r>
             <a:r>
-              <a:rPr sz="800" spc="-5" dirty="0">
+              <a:rPr lang="ja-jp" sz="800" spc="-5" dirty="0">
                 <a:solidFill>
                   <a:srgbClr val="6D6D6D"/>
                 </a:solidFill>
@@ -10211,14 +10482,14 @@
               </a:spcBef>
             </a:pPr>
             <a:r>
-              <a:rPr lang="en-US" sz="1400" b="1" spc="-15" dirty="0">
+              <a:rPr lang="ja-jp" sz="1400" b="1" spc="-15" dirty="0">
                 <a:solidFill>
                   <a:srgbClr val="020302"/>
                 </a:solidFill>
                 <a:latin typeface="Adobe Clean"/>
                 <a:cs typeface="Adobe Clean"/>
               </a:rPr>
-              <a:t>Resources</a:t>
+              <a:t>资源</a:t>
             </a:r>
             <a:endParaRPr sz="1400" dirty="0">
               <a:latin typeface="Adobe Clean"/>
@@ -10236,7 +10507,7 @@
         <p:spPr>
           <a:xfrm>
             <a:off x="6754821" y="9283729"/>
-            <a:ext cx="930275" cy="662305"/>
+            <a:ext cx="930275" cy="758541"/>
           </a:xfrm>
           <a:prstGeom prst="rect">
             <a:avLst/>
@@ -10257,7 +10528,7 @@
               </a:spcBef>
             </a:pPr>
             <a:r>
-              <a:rPr sz="800" spc="-15" dirty="0">
+              <a:rPr lang="ja-jp" sz="800" spc="-15" dirty="0">
                 <a:solidFill>
                   <a:srgbClr val="777879"/>
                 </a:solidFill>
@@ -10266,7 +10537,7 @@
               </a:rPr>
               <a:t>Adobe</a:t>
             </a:r>
-            <a:endParaRPr sz="800">
+            <a:endParaRPr sz="800" dirty="0">
               <a:latin typeface="Adobe Clean"/>
               <a:cs typeface="Adobe Clean"/>
             </a:endParaRPr>
@@ -10278,7 +10549,7 @@
               </a:lnSpc>
             </a:pPr>
             <a:r>
-              <a:rPr sz="800" spc="-15" dirty="0">
+              <a:rPr lang="ja-jp" sz="800" spc="-15" dirty="0">
                 <a:solidFill>
                   <a:srgbClr val="777879"/>
                 </a:solidFill>
@@ -10288,7 +10559,7 @@
               <a:t>345 Park</a:t>
             </a:r>
             <a:r>
-              <a:rPr sz="800" spc="-100" dirty="0">
+              <a:rPr lang="ja-jp" sz="800" spc="-100" dirty="0">
                 <a:solidFill>
                   <a:srgbClr val="777879"/>
                 </a:solidFill>
@@ -10298,7 +10569,7 @@
               <a:t> </a:t>
             </a:r>
             <a:r>
-              <a:rPr sz="800" spc="-15" dirty="0">
+              <a:rPr lang="ja-jp" sz="800" spc="-15" dirty="0">
                 <a:solidFill>
                   <a:srgbClr val="777879"/>
                 </a:solidFill>
@@ -10307,7 +10578,7 @@
               </a:rPr>
               <a:t>Avenue</a:t>
             </a:r>
-            <a:endParaRPr sz="800">
+            <a:endParaRPr sz="800" dirty="0">
               <a:latin typeface="Adobe Clean"/>
               <a:cs typeface="Adobe Clean"/>
             </a:endParaRPr>
@@ -10319,7 +10590,7 @@
               </a:lnSpc>
             </a:pPr>
             <a:r>
-              <a:rPr sz="800" spc="-10" dirty="0">
+              <a:rPr lang="ja-jp" sz="800" spc="-10" dirty="0">
                 <a:solidFill>
                   <a:srgbClr val="777879"/>
                 </a:solidFill>
@@ -10329,36 +10600,56 @@
               <a:t>San </a:t>
             </a:r>
             <a:r>
-              <a:rPr sz="800" spc="-15" dirty="0">
+              <a:rPr lang="ja-jp" sz="800" spc="-15" dirty="0">
                 <a:solidFill>
                   <a:srgbClr val="777879"/>
                 </a:solidFill>
                 <a:latin typeface="Adobe Clean"/>
                 <a:cs typeface="Adobe Clean"/>
               </a:rPr>
-              <a:t>Jose,</a:t>
-            </a:r>
-            <a:r>
-              <a:rPr sz="800" spc="-140" dirty="0">
+              <a:t>Jo</a:t>
+            </a:r>
+            <a:r>
+              <a:rPr lang="ja-jp" sz="800" spc="-15">
                 <a:solidFill>
                   <a:srgbClr val="777879"/>
                 </a:solidFill>
                 <a:latin typeface="Adobe Clean"/>
                 <a:cs typeface="Adobe Clean"/>
               </a:rPr>
-              <a:t> </a:t>
-            </a:r>
-            <a:r>
-              <a:rPr sz="800" spc="-20" dirty="0">
+              <a:t>se</a:t>
+            </a:r>
+            <a:r>
+              <a:rPr lang="ja-JP" altLang="en-US" sz="800" spc="-15">
                 <a:solidFill>
                   <a:srgbClr val="777879"/>
                 </a:solidFill>
                 <a:latin typeface="Adobe Clean"/>
                 <a:cs typeface="Adobe Clean"/>
               </a:rPr>
+              <a:t>、</a:t>
+            </a:r>
+            <a:r>
+              <a:rPr lang="ja-jp" sz="800" spc="-140">
+                <a:solidFill>
+                  <a:srgbClr val="777879"/>
+                </a:solidFill>
+                <a:latin typeface="Adobe Clean"/>
+                <a:cs typeface="Adobe Clean"/>
+              </a:rPr>
+              <a:t> </a:t>
+            </a:r>
+            <a:r>
+              <a:rPr lang="ja-jp" sz="800" spc="-20" dirty="0">
+                <a:solidFill>
+                  <a:srgbClr val="777879"/>
+                </a:solidFill>
+                <a:latin typeface="Adobe Clean"/>
+                <a:cs typeface="Adobe Clean"/>
+              </a:rPr>
               <a:t>CA95110-2704</a:t>
             </a:r>
-            <a:endParaRPr sz="800">
+            <a:endParaRPr sz="800" dirty="0">
               <a:latin typeface="Adobe Clean"/>
               <a:cs typeface="Adobe Clean"/>
             </a:endParaRPr>
@@ -10373,7 +10664,7 @@
               </a:spcBef>
             </a:pPr>
             <a:r>
-              <a:rPr sz="800" spc="-10" dirty="0">
+              <a:rPr lang="ja-jp" sz="800" spc="-10" dirty="0">
                 <a:solidFill>
                   <a:srgbClr val="777879"/>
                 </a:solidFill>
@@ -10382,7 +10673,7 @@
               </a:rPr>
               <a:t>USA</a:t>
             </a:r>
-            <a:endParaRPr sz="800">
+            <a:endParaRPr sz="800" dirty="0">
               <a:latin typeface="Adobe Clean"/>
               <a:cs typeface="Adobe Clean"/>
             </a:endParaRPr>
@@ -10397,7 +10688,7 @@
               </a:spcBef>
             </a:pPr>
             <a:r>
-              <a:rPr sz="800" u="sng" spc="-25" dirty="0">
+              <a:rPr lang="ja-jp" sz="800" u="sng" spc="-25" dirty="0">
                 <a:solidFill>
                   <a:srgbClr val="5F5F5F"/>
                 </a:solidFill>
@@ -10410,9 +10701,9 @@
                 <a:cs typeface="Adobe Clean"/>
                 <a:hlinkClick r:id="rId4"/>
               </a:rPr>
-              <a:t>www.adobe.com</a:t>
-            </a:r>
-            <a:endParaRPr sz="800">
+              <a:t>www.adobe.com/cn/</a:t>
+            </a:r>
+            <a:endParaRPr sz="800" dirty="0">
               <a:latin typeface="Adobe Clean"/>
               <a:cs typeface="Adobe Clean"/>
             </a:endParaRPr>
@@ -10590,37 +10881,37 @@
               </a:spcBef>
             </a:pPr>
             <a:r>
-              <a:rPr sz="1100" i="1" spc="-10" dirty="0">
+              <a:rPr lang="ja-jp" sz="1100" i="1" spc="-10" dirty="0">
                 <a:solidFill>
                   <a:srgbClr val="777879"/>
                 </a:solidFill>
                 <a:latin typeface="AdobeClean-LightIt"/>
                 <a:cs typeface="AdobeClean-LightIt"/>
               </a:rPr>
-              <a:t>To</a:t>
-            </a:r>
-            <a:r>
-              <a:rPr sz="1100" i="1" spc="-50" dirty="0">
+              <a:t>要</a:t>
+            </a:r>
+            <a:r>
+              <a:rPr lang="ja-jp" sz="1100" i="1" spc="-15" dirty="0">
                 <a:solidFill>
                   <a:srgbClr val="777879"/>
                 </a:solidFill>
                 <a:latin typeface="AdobeClean-LightIt"/>
                 <a:cs typeface="AdobeClean-LightIt"/>
               </a:rPr>
-              <a:t> </a:t>
-            </a:r>
-            <a:r>
-              <a:rPr sz="1100" i="1" spc="-15" dirty="0">
+              <a:t>详细</a:t>
+            </a:r>
+            <a:r>
+              <a:rPr lang="ja-jp" sz="1100" i="1" spc="-40" dirty="0">
                 <a:solidFill>
                   <a:srgbClr val="777879"/>
                 </a:solidFill>
                 <a:latin typeface="AdobeClean-LightIt"/>
                 <a:cs typeface="AdobeClean-LightIt"/>
               </a:rPr>
-              <a:t>learn</a:t>
-            </a:r>
-            <a:r>
-              <a:rPr sz="1100" i="1" spc="-40" dirty="0">
+              <a:t> </a:t>
+            </a:r>
+            <a:r>
+              <a:rPr lang="ja-jp" sz="1100" i="1" spc="-45" dirty="0">
                 <a:solidFill>
                   <a:srgbClr val="777879"/>
                 </a:solidFill>
@@ -10630,17 +10921,17 @@
               <a:t> </a:t>
             </a:r>
             <a:r>
-              <a:rPr sz="1100" i="1" spc="-15" dirty="0">
+              <a:rPr lang="ja-jp" sz="1100" i="1" spc="-15" dirty="0">
                 <a:solidFill>
                   <a:srgbClr val="777879"/>
                 </a:solidFill>
                 <a:latin typeface="AdobeClean-LightIt"/>
                 <a:cs typeface="AdobeClean-LightIt"/>
               </a:rPr>
-              <a:t>more</a:t>
-            </a:r>
-            <a:r>
-              <a:rPr sz="1100" i="1" spc="-45" dirty="0">
+              <a:t>了解 </a:t>
+            </a:r>
+            <a:r>
+              <a:rPr lang="ja-jp" sz="1100" i="1" spc="-45" dirty="0">
                 <a:solidFill>
                   <a:srgbClr val="777879"/>
                 </a:solidFill>
@@ -10650,17 +10941,17 @@
               <a:t> </a:t>
             </a:r>
             <a:r>
-              <a:rPr sz="1100" i="1" spc="-15" dirty="0">
+              <a:rPr lang="ja-jp" sz="1100" i="1" spc="-15" dirty="0">
                 <a:solidFill>
                   <a:srgbClr val="777879"/>
                 </a:solidFill>
                 <a:latin typeface="AdobeClean-LightIt"/>
                 <a:cs typeface="AdobeClean-LightIt"/>
               </a:rPr>
-              <a:t>about</a:t>
-            </a:r>
-            <a:r>
-              <a:rPr sz="1100" i="1" spc="-45" dirty="0">
+              <a:t>Adobe</a:t>
+            </a:r>
+            <a:r>
+              <a:rPr lang="ja-jp" sz="1100" i="1" spc="-50" dirty="0">
                 <a:solidFill>
                   <a:srgbClr val="777879"/>
                 </a:solidFill>
@@ -10670,17 +10961,17 @@
               <a:t> </a:t>
             </a:r>
             <a:r>
-              <a:rPr sz="1100" i="1" spc="-15" dirty="0">
+              <a:rPr lang="ja-jp" sz="1100" i="1" spc="-15" dirty="0">
                 <a:solidFill>
                   <a:srgbClr val="777879"/>
                 </a:solidFill>
                 <a:latin typeface="AdobeClean-LightIt"/>
                 <a:cs typeface="AdobeClean-LightIt"/>
               </a:rPr>
-              <a:t>Adobe</a:t>
-            </a:r>
-            <a:r>
-              <a:rPr sz="1100" i="1" spc="-50" dirty="0">
+              <a:t> 支持产品/服务</a:t>
+            </a:r>
+            <a:r>
+              <a:rPr lang="ja-jp" sz="1100" i="1" spc="-75" dirty="0">
                 <a:solidFill>
                   <a:srgbClr val="777879"/>
                 </a:solidFill>
@@ -10690,107 +10981,107 @@
               <a:t> </a:t>
             </a:r>
             <a:r>
-              <a:rPr sz="1100" i="1" spc="-15" dirty="0">
+              <a:rPr lang="ja-jp" sz="1100" i="1" spc="-15" dirty="0">
                 <a:solidFill>
                   <a:srgbClr val="777879"/>
                 </a:solidFill>
                 <a:latin typeface="AdobeClean-LightIt"/>
                 <a:cs typeface="AdobeClean-LightIt"/>
               </a:rPr>
-              <a:t>Support</a:t>
-            </a:r>
-            <a:r>
-              <a:rPr lang="en-US" sz="1100" i="1" spc="-15" dirty="0">
+              <a:t>和</a:t>
+            </a:r>
+            <a:r>
+              <a:rPr lang="ja-jp" sz="1100" i="1" spc="-50" dirty="0">
                 <a:solidFill>
                   <a:srgbClr val="777879"/>
                 </a:solidFill>
                 <a:latin typeface="AdobeClean-LightIt"/>
                 <a:cs typeface="AdobeClean-LightIt"/>
               </a:rPr>
-              <a:t> Offerings</a:t>
-            </a:r>
-            <a:r>
-              <a:rPr sz="1100" i="1" spc="-75" dirty="0">
+              <a:t> </a:t>
+            </a:r>
+            <a:r>
+              <a:rPr lang="ja-jp" sz="1100" i="1" spc="-15" dirty="0">
                 <a:solidFill>
                   <a:srgbClr val="777879"/>
                 </a:solidFill>
                 <a:latin typeface="AdobeClean-LightIt"/>
                 <a:cs typeface="AdobeClean-LightIt"/>
               </a:rPr>
-              <a:t> </a:t>
-            </a:r>
-            <a:r>
-              <a:rPr sz="1100" i="1" spc="-15" dirty="0">
+              <a:t>您</a:t>
+            </a:r>
+            <a:r>
+              <a:rPr lang="ja-jp" sz="1100" i="1" spc="-55" dirty="0">
                 <a:solidFill>
                   <a:srgbClr val="777879"/>
                 </a:solidFill>
                 <a:latin typeface="AdobeClean-LightIt"/>
                 <a:cs typeface="AdobeClean-LightIt"/>
               </a:rPr>
-              <a:t>and</a:t>
-            </a:r>
-            <a:r>
-              <a:rPr sz="1100" i="1" spc="-50" dirty="0">
+              <a:t> </a:t>
+            </a:r>
+            <a:r>
+              <a:rPr lang="ja-jp" sz="1100" i="1" spc="-15" dirty="0">
                 <a:solidFill>
                   <a:srgbClr val="777879"/>
                 </a:solidFill>
                 <a:latin typeface="AdobeClean-LightIt"/>
                 <a:cs typeface="AdobeClean-LightIt"/>
               </a:rPr>
-              <a:t> </a:t>
-            </a:r>
-            <a:r>
-              <a:rPr sz="1100" i="1" spc="-15" dirty="0">
+              <a:t>的</a:t>
+            </a:r>
+            <a:r>
+              <a:rPr lang="ja-jp" sz="1100" i="1" spc="-95" dirty="0">
                 <a:solidFill>
                   <a:srgbClr val="777879"/>
                 </a:solidFill>
                 <a:latin typeface="AdobeClean-LightIt"/>
                 <a:cs typeface="AdobeClean-LightIt"/>
               </a:rPr>
-              <a:t>the</a:t>
-            </a:r>
-            <a:r>
-              <a:rPr sz="1100" i="1" spc="-55" dirty="0">
+              <a:t> </a:t>
+            </a:r>
+            <a:r>
+              <a:rPr lang="ja-jp" sz="1100" i="1" spc="-15" dirty="0">
                 <a:solidFill>
                   <a:srgbClr val="777879"/>
                 </a:solidFill>
                 <a:latin typeface="AdobeClean-LightIt"/>
                 <a:cs typeface="AdobeClean-LightIt"/>
               </a:rPr>
-              <a:t> </a:t>
-            </a:r>
-            <a:r>
-              <a:rPr sz="1100" i="1" spc="-15" dirty="0">
+              <a:t>适当</a:t>
+            </a:r>
+            <a:r>
+              <a:rPr lang="ja-jp" sz="1100" i="1" spc="-55" dirty="0">
                 <a:solidFill>
                   <a:srgbClr val="777879"/>
                 </a:solidFill>
                 <a:latin typeface="AdobeClean-LightIt"/>
                 <a:cs typeface="AdobeClean-LightIt"/>
               </a:rPr>
-              <a:t>right</a:t>
-            </a:r>
-            <a:r>
-              <a:rPr sz="1100" i="1" spc="-95" dirty="0">
+              <a:t> </a:t>
+            </a:r>
+            <a:r>
+              <a:rPr lang="ja-jp" sz="1100" i="1" spc="-15" dirty="0">
                 <a:solidFill>
                   <a:srgbClr val="777879"/>
                 </a:solidFill>
                 <a:latin typeface="AdobeClean-LightIt"/>
                 <a:cs typeface="AdobeClean-LightIt"/>
               </a:rPr>
-              <a:t> </a:t>
-            </a:r>
-            <a:r>
-              <a:rPr sz="1100" i="1" spc="-15" dirty="0">
+              <a:t>级</a:t>
+            </a:r>
+            <a:r>
+              <a:rPr lang="ja-jp" sz="1100" i="1" spc="-15">
                 <a:solidFill>
                   <a:srgbClr val="777879"/>
                 </a:solidFill>
                 <a:latin typeface="AdobeClean-LightIt"/>
                 <a:cs typeface="AdobeClean-LightIt"/>
               </a:rPr>
-              <a:t>level</a:t>
-            </a:r>
-            <a:r>
-              <a:rPr sz="1100" i="1" spc="-55" dirty="0">
+              <a:t>别</a:t>
+            </a:r>
+            <a:r>
+              <a:rPr lang="ja-jp" sz="1100" i="1" spc="-85">
                 <a:solidFill>
                   <a:srgbClr val="777879"/>
                 </a:solidFill>
@@ -10800,17 +11091,17 @@
               <a:t> </a:t>
             </a:r>
             <a:r>
-              <a:rPr sz="1100" i="1" spc="-15" dirty="0">
+              <a:rPr lang="ja-JP" altLang="en-US" sz="1100" i="1" spc="-15">
                 <a:solidFill>
                   <a:srgbClr val="777879"/>
                 </a:solidFill>
                 <a:latin typeface="AdobeClean-LightIt"/>
                 <a:cs typeface="AdobeClean-LightIt"/>
               </a:rPr>
-              <a:t>for</a:t>
-            </a:r>
-            <a:r>
-              <a:rPr sz="1100" i="1" spc="-85" dirty="0">
+              <a:t>、</a:t>
+            </a:r>
+            <a:r>
+              <a:rPr lang="ja-jp" sz="1100" i="1" spc="-65">
                 <a:solidFill>
                   <a:srgbClr val="777879"/>
                 </a:solidFill>
@@ -10820,17 +11111,17 @@
               <a:t> </a:t>
             </a:r>
             <a:r>
-              <a:rPr sz="1100" i="1" spc="-15" dirty="0">
+              <a:rPr lang="ja-jp" sz="1100" i="1" spc="-15" dirty="0">
                 <a:solidFill>
                   <a:srgbClr val="777879"/>
                 </a:solidFill>
                 <a:latin typeface="AdobeClean-LightIt"/>
                 <a:cs typeface="AdobeClean-LightIt"/>
               </a:rPr>
-              <a:t>you,</a:t>
-            </a:r>
-            <a:r>
-              <a:rPr sz="1100" i="1" spc="-65" dirty="0">
+              <a:t>请联系</a:t>
+            </a:r>
+            <a:r>
+              <a:rPr lang="ja-jp" sz="1100" i="1" spc="-85" dirty="0">
                 <a:solidFill>
                   <a:srgbClr val="777879"/>
                 </a:solidFill>
@@ -10840,184 +11131,124 @@
               <a:t> </a:t>
             </a:r>
             <a:r>
-              <a:rPr sz="1100" i="1" spc="-15" dirty="0">
+              <a:rPr lang="ja-jp" sz="1100" i="1" spc="-70" dirty="0">
                 <a:solidFill>
                   <a:srgbClr val="777879"/>
                 </a:solidFill>
                 <a:latin typeface="AdobeClean-LightIt"/>
                 <a:cs typeface="AdobeClean-LightIt"/>
               </a:rPr>
-              <a:t>contact</a:t>
-            </a:r>
-            <a:r>
-              <a:rPr sz="1100" i="1" spc="-85" dirty="0">
+              <a:t> </a:t>
+            </a:r>
+            <a:r>
+              <a:rPr lang="ja-jp" sz="1100" i="1" spc="-15" dirty="0">
                 <a:solidFill>
                   <a:srgbClr val="777879"/>
                 </a:solidFill>
                 <a:latin typeface="AdobeClean-LightIt"/>
                 <a:cs typeface="AdobeClean-LightIt"/>
               </a:rPr>
-              <a:t> </a:t>
-            </a:r>
-            <a:r>
-              <a:rPr sz="1100" i="1" spc="-15" dirty="0">
+              <a:t>指定</a:t>
+            </a:r>
+            <a:r>
+              <a:rPr lang="ja-jp" sz="1100" i="1" spc="-55" dirty="0">
                 <a:solidFill>
                   <a:srgbClr val="777879"/>
                 </a:solidFill>
                 <a:latin typeface="AdobeClean-LightIt"/>
                 <a:cs typeface="AdobeClean-LightIt"/>
               </a:rPr>
-              <a:t>your</a:t>
-            </a:r>
-            <a:r>
-              <a:rPr sz="1100" i="1" spc="-70" dirty="0">
+              <a:t> </a:t>
+            </a:r>
+            <a:r>
+              <a:rPr lang="ja-jp" sz="1100" i="1" spc="-25" dirty="0">
                 <a:solidFill>
                   <a:srgbClr val="777879"/>
                 </a:solidFill>
                 <a:latin typeface="AdobeClean-LightIt"/>
                 <a:cs typeface="AdobeClean-LightIt"/>
               </a:rPr>
-              <a:t> </a:t>
-            </a:r>
-            <a:r>
-              <a:rPr sz="1100" i="1" spc="-15" dirty="0">
+              <a:t>客户</a:t>
+            </a:r>
+            <a:r>
+              <a:rPr lang="ja-jp" sz="1100" i="1" spc="-120" dirty="0">
                 <a:solidFill>
                   <a:srgbClr val="777879"/>
                 </a:solidFill>
                 <a:latin typeface="AdobeClean-LightIt"/>
                 <a:cs typeface="AdobeClean-LightIt"/>
               </a:rPr>
-              <a:t>Named</a:t>
-            </a:r>
-            <a:r>
-              <a:rPr sz="1100" i="1" spc="-55" dirty="0">
+              <a:t> </a:t>
+            </a:r>
+            <a:r>
+              <a:rPr lang="ja-jp" sz="1100" i="1" spc="-20" dirty="0">
                 <a:solidFill>
                   <a:srgbClr val="777879"/>
                 </a:solidFill>
                 <a:latin typeface="AdobeClean-LightIt"/>
                 <a:cs typeface="AdobeClean-LightIt"/>
               </a:rPr>
-              <a:t> </a:t>
-            </a:r>
-            <a:r>
-              <a:rPr sz="1100" i="1" spc="-25" dirty="0">
+              <a:t>经理 </a:t>
+            </a:r>
+            <a:r>
+              <a:rPr lang="ja-jp" sz="1100" i="1" spc="-15" dirty="0">
                 <a:solidFill>
                   <a:srgbClr val="777879"/>
                 </a:solidFill>
                 <a:latin typeface="AdobeClean-LightIt"/>
                 <a:cs typeface="AdobeClean-LightIt"/>
               </a:rPr>
-              <a:t>Account</a:t>
-            </a:r>
-            <a:r>
-              <a:rPr sz="1100" i="1" spc="-120" dirty="0">
+              <a:t>(NAM) </a:t>
+            </a:r>
+            <a:r>
+              <a:rPr lang="ja-jp" sz="1100" i="1" spc="-10" dirty="0">
                 <a:solidFill>
                   <a:srgbClr val="777879"/>
                 </a:solidFill>
                 <a:latin typeface="AdobeClean-LightIt"/>
                 <a:cs typeface="AdobeClean-LightIt"/>
               </a:rPr>
-              <a:t> </a:t>
-            </a:r>
-            <a:r>
-              <a:rPr sz="1100" i="1" spc="-20" dirty="0">
+              <a:t>或</a:t>
+            </a:r>
+            <a:r>
+              <a:rPr lang="ja-jp" sz="1100" i="1" spc="-15" dirty="0">
                 <a:solidFill>
                   <a:srgbClr val="777879"/>
                 </a:solidFill>
                 <a:latin typeface="AdobeClean-LightIt"/>
                 <a:cs typeface="AdobeClean-LightIt"/>
               </a:rPr>
-              <a:t>Manager </a:t>
-            </a:r>
-            <a:r>
-              <a:rPr sz="1100" i="1" spc="-15" dirty="0">
+              <a:t>客户</a:t>
+            </a:r>
+            <a:r>
+              <a:rPr lang="ja-jp" sz="1100" i="1" spc="-20" dirty="0">
                 <a:solidFill>
                   <a:srgbClr val="777879"/>
                 </a:solidFill>
                 <a:latin typeface="AdobeClean-LightIt"/>
                 <a:cs typeface="AdobeClean-LightIt"/>
               </a:rPr>
-              <a:t>(NAM) </a:t>
-            </a:r>
-            <a:r>
-              <a:rPr sz="1100" i="1" spc="-10" dirty="0">
+              <a:t>成功</a:t>
+            </a:r>
+            <a:r>
+              <a:rPr lang="ja-jp" sz="1100" i="1" spc="-180" dirty="0">
                 <a:solidFill>
                   <a:srgbClr val="777879"/>
                 </a:solidFill>
                 <a:latin typeface="AdobeClean-LightIt"/>
                 <a:cs typeface="AdobeClean-LightIt"/>
               </a:rPr>
-              <a:t>or </a:t>
-            </a:r>
-            <a:r>
-              <a:rPr sz="1100" i="1" spc="-15" dirty="0">
+              <a:t> </a:t>
+            </a:r>
+            <a:r>
+              <a:rPr lang="ja-jp" sz="1100" i="1" spc="-15" dirty="0">
                 <a:solidFill>
                   <a:srgbClr val="777879"/>
                 </a:solidFill>
                 <a:latin typeface="AdobeClean-LightIt"/>
                 <a:cs typeface="AdobeClean-LightIt"/>
               </a:rPr>
-              <a:t>Customer </a:t>
-            </a:r>
-            <a:r>
-              <a:rPr sz="1100" i="1" spc="-20" dirty="0">
-                <a:solidFill>
-                  <a:srgbClr val="777879"/>
-                </a:solidFill>
-                <a:latin typeface="AdobeClean-LightIt"/>
-                <a:cs typeface="AdobeClean-LightIt"/>
-              </a:rPr>
-              <a:t>Success</a:t>
-            </a:r>
-            <a:r>
-              <a:rPr sz="1100" i="1" spc="-180" dirty="0">
-                <a:solidFill>
-                  <a:srgbClr val="777879"/>
-                </a:solidFill>
-                <a:latin typeface="AdobeClean-LightIt"/>
-                <a:cs typeface="AdobeClean-LightIt"/>
-              </a:rPr>
-              <a:t> </a:t>
-            </a:r>
-            <a:r>
-              <a:rPr sz="1100" i="1" spc="-15" dirty="0">
-                <a:solidFill>
-                  <a:srgbClr val="777879"/>
-                </a:solidFill>
-                <a:latin typeface="AdobeClean-LightIt"/>
-                <a:cs typeface="AdobeClean-LightIt"/>
-              </a:rPr>
-              <a:t>Manager</a:t>
-            </a:r>
-            <a:r>
-              <a:rPr lang="en-US" sz="1100" i="1" spc="-15" dirty="0">
-                <a:solidFill>
-                  <a:srgbClr val="777879"/>
-                </a:solidFill>
-                <a:latin typeface="AdobeClean-LightIt"/>
-                <a:cs typeface="AdobeClean-LightIt"/>
-              </a:rPr>
-              <a:t> </a:t>
-            </a:r>
-            <a:r>
-              <a:rPr sz="1100" i="1" spc="-15" dirty="0">
-                <a:solidFill>
-                  <a:srgbClr val="777879"/>
-                </a:solidFill>
-                <a:latin typeface="AdobeClean-LightIt"/>
-                <a:cs typeface="AdobeClean-LightIt"/>
-              </a:rPr>
-              <a:t>(CSM)</a:t>
-            </a:r>
-            <a:r>
-              <a:rPr lang="en-US" sz="1100" i="1" spc="-15" dirty="0">
-                <a:solidFill>
-                  <a:srgbClr val="777879"/>
-                </a:solidFill>
-                <a:latin typeface="AdobeClean-LightIt"/>
-                <a:cs typeface="AdobeClean-LightIt"/>
-              </a:rPr>
-              <a:t>.</a:t>
+              <a:t>经理  (CSM)。</a:t>
             </a:r>
             <a:endParaRPr sz="1100" dirty="0">
               <a:latin typeface="AdobeClean-LightIt"/>
@@ -11034,47 +11265,27 @@
               </a:spcBef>
             </a:pPr>
             <a:r>
-              <a:rPr sz="800" spc="-5" dirty="0">
+              <a:rPr lang="ja-jp" sz="800" spc="-5" dirty="0">
                 <a:solidFill>
                   <a:srgbClr val="6D6D6D"/>
                 </a:solidFill>
                 <a:latin typeface="Adobe Clean"/>
                 <a:cs typeface="Adobe Clean"/>
               </a:rPr>
-              <a:t>©202</a:t>
-            </a:r>
-            <a:r>
-              <a:rPr lang="en-US" sz="800" spc="-5" dirty="0">
+              <a:t>©2022 Adobe.All Rights Reserved.Adobe</a:t>
+            </a:r>
+            <a:r>
+              <a:rPr lang="ja-jp" sz="800" spc="75" dirty="0">
                 <a:solidFill>
                   <a:srgbClr val="6D6D6D"/>
                 </a:solidFill>
                 <a:latin typeface="Adobe Clean"/>
                 <a:cs typeface="Adobe Clean"/>
               </a:rPr>
-              <a:t>2</a:t>
-            </a:r>
-            <a:r>
-              <a:rPr sz="800" spc="-5" dirty="0">
-                <a:solidFill>
-                  <a:srgbClr val="6D6D6D"/>
-                </a:solidFill>
-                <a:latin typeface="Adobe Clean"/>
-                <a:cs typeface="Adobe Clean"/>
-              </a:rPr>
-              <a:t> Adobe. All Rights Reserved. Adobe</a:t>
-            </a:r>
-            <a:r>
-              <a:rPr sz="800" spc="75" dirty="0">
-                <a:solidFill>
-                  <a:srgbClr val="6D6D6D"/>
-                </a:solidFill>
-                <a:latin typeface="Adobe Clean"/>
-                <a:cs typeface="Adobe Clean"/>
-              </a:rPr>
               <a:t> </a:t>
             </a:r>
             <a:r>
-              <a:rPr sz="800" spc="-5" dirty="0">
+              <a:rPr lang="ja-jp" sz="800" spc="-5" dirty="0">
                 <a:solidFill>
                   <a:srgbClr val="6D6D6D"/>
                 </a:solidFill>
@@ -11123,14 +11334,14 @@
               </a:spcBef>
             </a:pPr>
             <a:r>
-              <a:rPr lang="en-US" sz="1400" b="1" spc="-15" dirty="0">
+              <a:rPr lang="ja-jp" sz="1400" b="1" spc="-15" dirty="0">
                 <a:solidFill>
                   <a:srgbClr val="020302"/>
                 </a:solidFill>
                 <a:latin typeface="Adobe Clean"/>
                 <a:cs typeface="Adobe Clean"/>
               </a:rPr>
-              <a:t>Regional Hours Of Operation And Language Support</a:t>
+              <a:t>区域营业时间和语言支持</a:t>
             </a:r>
           </a:p>
           <a:p>
@@ -11140,13 +11351,13 @@
               </a:spcBef>
             </a:pPr>
             <a:r>
-              <a:rPr lang="en-US" sz="1000" spc="-15" dirty="0">
+              <a:rPr lang="ja-jp" sz="1000" spc="-15" dirty="0">
                 <a:solidFill>
                   <a:srgbClr val="1F1F1F"/>
                 </a:solidFill>
                 <a:latin typeface="AdobeClean-Light"/>
               </a:rPr>
-              <a:t>Adobe’s local business hours align to the customer’s billing region.</a:t>
+              <a:t>Adobe 的本地营业时间与客户的计费区域一致。</a:t>
             </a:r>
           </a:p>
         </p:txBody>
@@ -11173,7 +11384,7 @@
         </p:nvGraphicFramePr>
         <p:xfrm>
           <a:off x="171128" y="5907213"/>
-          <a:ext cx="7391400" cy="1336040"/>
+          <a:ext cx="7391400" cy="1280160"/>
         </p:xfrm>
         <a:graphic>
           <a:graphicData uri="http://schemas.openxmlformats.org/drawingml/2006/table">
@@ -11219,16 +11430,16 @@
                     <a:p>
                       <a:pPr algn="ctr"/>
                       <a:r>
-                        <a:rPr lang="en-US" sz="1100" dirty="0">
+                        <a:rPr lang="ja-jp" sz="1100" dirty="0">
                           <a:solidFill>
                             <a:schemeClr val="tx1"/>
                           </a:solidFill>
                           <a:latin typeface="Adobe Clean" panose="020B0503020404020204" pitchFamily="34" charset="0"/>
                         </a:rPr>
-                        <a:t>Americas </a:t>
+                        <a:t>美洲</a:t>
                       </a:r>
                       <a:r>
-                        <a:rPr lang="en-US" sz="1100" baseline="30000" dirty="0">
+                        <a:rPr lang="ja-jp" sz="1100" baseline="30000" dirty="0">
                           <a:solidFill>
                             <a:schemeClr val="tx1"/>
                           </a:solidFill>
@@ -11293,13 +11504,13 @@
                     <a:p>
                       <a:pPr algn="ctr"/>
                       <a:r>
-                        <a:rPr lang="en-US" sz="1100" dirty="0">
+                        <a:rPr lang="ja-jp" sz="1100" dirty="0">
                           <a:solidFill>
                             <a:schemeClr val="tx1"/>
                           </a:solidFill>
                           <a:latin typeface="Adobe Clean" panose="020B0503020404020204" pitchFamily="34" charset="0"/>
                         </a:rPr>
-                        <a:t>Europe, Middle East &amp; Africa</a:t>
+                        <a:t>欧洲、中东和非洲</a:t>
                       </a:r>
                     </a:p>
                   </a:txBody>
@@ -11358,13 +11569,13 @@
                     <a:p>
                       <a:pPr algn="ctr"/>
                       <a:r>
-                        <a:rPr lang="en-US" sz="1100" dirty="0">
+                        <a:rPr lang="ja-jp" sz="1100" dirty="0">
                           <a:solidFill>
                             <a:schemeClr val="tx1"/>
                           </a:solidFill>
                           <a:latin typeface="Adobe Clean" panose="020B0503020404020204" pitchFamily="34" charset="0"/>
                         </a:rPr>
-                        <a:t>Asia Pacific</a:t>
+                        <a:t>亚太地区</a:t>
                       </a:r>
                     </a:p>
                   </a:txBody>
@@ -11423,13 +11634,13 @@
                     <a:p>
                       <a:pPr algn="ctr"/>
                       <a:r>
-                        <a:rPr lang="en-US" sz="1100" dirty="0">
+                        <a:rPr lang="ja-jp" sz="1100" dirty="0">
                           <a:solidFill>
                             <a:schemeClr val="tx1"/>
                           </a:solidFill>
                           <a:latin typeface="Adobe Clean" panose="020B0503020404020204" pitchFamily="34" charset="0"/>
                         </a:rPr>
-                        <a:t>Japan </a:t>
+                        <a:t>日本</a:t>
                       </a:r>
                     </a:p>
                   </a:txBody>
@@ -11495,13 +11706,13 @@
                     <a:p>
                       <a:pPr algn="ctr"/>
                       <a:r>
-                        <a:rPr lang="en-US" sz="1100" dirty="0">
+                        <a:rPr lang="ja-jp" sz="1100" dirty="0">
                           <a:solidFill>
                             <a:schemeClr val="tx1"/>
                           </a:solidFill>
                           <a:latin typeface="Adobe Clean" panose="020B0503020404020204" pitchFamily="34" charset="0"/>
                         </a:rPr>
-                        <a:t>24x7</a:t>
+                        <a:t>全天候</a:t>
                       </a:r>
                     </a:p>
                   </a:txBody>
@@ -11560,13 +11771,13 @@
                     <a:p>
                       <a:pPr algn="ctr"/>
                       <a:r>
-                        <a:rPr lang="en-US" sz="1100" dirty="0">
+                        <a:rPr lang="ja-jp" sz="1100" dirty="0">
                           <a:solidFill>
                             <a:schemeClr val="tx1"/>
                           </a:solidFill>
                           <a:latin typeface="Adobe Clean" panose="020B0503020404020204" pitchFamily="34" charset="0"/>
                         </a:rPr>
-                        <a:t>9 am – 5 pm</a:t>
+                        <a:t>上午 9:00 – 下午 5:00</a:t>
                       </a:r>
                     </a:p>
                   </a:txBody>
@@ -11625,13 +11836,13 @@
                     <a:p>
                       <a:pPr algn="ctr"/>
                       <a:r>
-                        <a:rPr lang="en-US" sz="1100" dirty="0">
+                        <a:rPr lang="ja-jp" sz="1100" dirty="0">
                           <a:solidFill>
                             <a:schemeClr val="tx1"/>
                           </a:solidFill>
                           <a:latin typeface="Adobe Clean" panose="020B0503020404020204" pitchFamily="34" charset="0"/>
                         </a:rPr>
-                        <a:t>9 am – 5 pm</a:t>
+                        <a:t>上午 9:00 – 下午 5:00</a:t>
                       </a:r>
                     </a:p>
                   </a:txBody>
@@ -11690,13 +11901,13 @@
                     <a:p>
                       <a:pPr algn="ctr"/>
                       <a:r>
-                        <a:rPr lang="en-US" sz="1100" dirty="0">
+                        <a:rPr lang="ja-jp" sz="1100" dirty="0">
                           <a:solidFill>
                             <a:schemeClr val="tx1"/>
                           </a:solidFill>
                           <a:latin typeface="Adobe Clean" panose="020B0503020404020204" pitchFamily="34" charset="0"/>
                         </a:rPr>
-                        <a:t>9 am – 5:30 pm</a:t>
+                        <a:t>上午 9:00 – 下午 5:30</a:t>
                       </a:r>
                     </a:p>
                   </a:txBody>
@@ -11803,7 +12014,7 @@
                         <a:defRPr/>
                       </a:pPr>
                       <a:r>
-                        <a:rPr lang="en-US" sz="1100" baseline="30000" dirty="0">
+                        <a:rPr lang="ja-jp" sz="1100" baseline="30000" dirty="0">
                           <a:solidFill>
                             <a:schemeClr val="tx1"/>
                           </a:solidFill>
@@ -11812,13 +12023,13 @@
                         <a:t>1</a:t>
                       </a:r>
                       <a:r>
-                        <a:rPr lang="en-US" sz="1100" dirty="0">
+                        <a:rPr lang="ja-jp" sz="1100" dirty="0">
                           <a:solidFill>
                             <a:schemeClr val="tx1"/>
                           </a:solidFill>
                           <a:latin typeface="Adobe Clean" panose="020B0503020404020204" pitchFamily="34" charset="0"/>
                         </a:rPr>
-                        <a:t>Americas Language support available in English only.</a:t>
+                        <a:t>美洲语言支持仅提供英文版本。</a:t>
                       </a:r>
                     </a:p>
                     <a:p>
@@ -12207,7 +12418,7 @@
           </a:bodyPr>
           <a:lstStyle/>
           <a:p>
-            <a:pPr marL="139065" marR="5080" indent="-139065">
+            <a:pPr marL="14288" marR="5080" indent="-14288" algn="ctr">
               <a:lnSpc>
                 <a:spcPts val="1390"/>
               </a:lnSpc>
@@ -12216,124 +12427,54 @@
               </a:spcBef>
             </a:pPr>
             <a:r>
-              <a:rPr sz="1200" b="1" spc="-15" dirty="0">
+              <a:rPr lang="ja-jp" sz="1200" b="1" spc="-15" dirty="0">
                 <a:solidFill>
                   <a:srgbClr val="FFFFFF"/>
                 </a:solidFill>
                 <a:latin typeface="Adobe Clean"/>
                 <a:cs typeface="Adobe Clean"/>
               </a:rPr>
-              <a:t>U</a:t>
-            </a:r>
-            <a:r>
-              <a:rPr sz="1200" b="1" spc="-20" dirty="0">
+              <a:t>无</a:t>
+            </a:r>
+            <a:r>
+              <a:rPr lang="ja-jp" sz="1200" b="1" spc="-20" dirty="0">
                 <a:solidFill>
                   <a:srgbClr val="FFFFFF"/>
                 </a:solidFill>
                 <a:latin typeface="Adobe Clean"/>
                 <a:cs typeface="Adobe Clean"/>
               </a:rPr>
-              <a:t>n</a:t>
-            </a:r>
-            <a:r>
-              <a:rPr sz="1200" b="1" spc="-25" dirty="0">
+              <a:t>与</a:t>
+            </a:r>
+            <a:r>
+              <a:rPr lang="ja-jp" sz="1200" b="1" spc="-25" dirty="0">
                 <a:solidFill>
                   <a:srgbClr val="FFFFFF"/>
                 </a:solidFill>
                 <a:latin typeface="Adobe Clean"/>
                 <a:cs typeface="Adobe Clean"/>
               </a:rPr>
-              <a:t>p</a:t>
-            </a:r>
-            <a:r>
-              <a:rPr sz="1200" b="1" spc="-15" dirty="0">
+              <a:t>伦</a:t>
+            </a:r>
+            <a:r>
+              <a:rPr lang="ja-jp" sz="1200" b="1" spc="-15" dirty="0">
                 <a:solidFill>
                   <a:srgbClr val="FFFFFF"/>
                 </a:solidFill>
                 <a:latin typeface="Adobe Clean"/>
                 <a:cs typeface="Adobe Clean"/>
               </a:rPr>
-              <a:t>a</a:t>
-            </a:r>
-            <a:r>
-              <a:rPr sz="1200" b="1" spc="-25" dirty="0">
+              <a:t>比</a:t>
+            </a:r>
+            <a:r>
+              <a:rPr lang="ja-jp" sz="1200" b="1" spc="-25" dirty="0">
                 <a:solidFill>
                   <a:srgbClr val="FFFFFF"/>
                 </a:solidFill>
                 <a:latin typeface="Adobe Clean"/>
                 <a:cs typeface="Adobe Clean"/>
               </a:rPr>
-              <a:t>r</a:t>
-            </a:r>
-            <a:r>
-              <a:rPr sz="1200" b="1" spc="-15" dirty="0">
-                <a:solidFill>
-                  <a:srgbClr val="FFFFFF"/>
-                </a:solidFill>
-                <a:latin typeface="Adobe Clean"/>
-                <a:cs typeface="Adobe Clean"/>
-              </a:rPr>
-              <a:t>a</a:t>
-            </a:r>
-            <a:r>
-              <a:rPr sz="1200" b="1" spc="-30" dirty="0">
-                <a:solidFill>
-                  <a:srgbClr val="FFFFFF"/>
-                </a:solidFill>
-                <a:latin typeface="Adobe Clean"/>
-                <a:cs typeface="Adobe Clean"/>
-              </a:rPr>
-              <a:t>ll</a:t>
-            </a:r>
-            <a:r>
-              <a:rPr sz="1200" b="1" spc="-25" dirty="0">
-                <a:solidFill>
-                  <a:srgbClr val="FFFFFF"/>
-                </a:solidFill>
-                <a:latin typeface="Adobe Clean"/>
-                <a:cs typeface="Adobe Clean"/>
-              </a:rPr>
-              <a:t>e</a:t>
-            </a:r>
-            <a:r>
-              <a:rPr sz="1200" b="1" spc="-30" dirty="0">
-                <a:solidFill>
-                  <a:srgbClr val="FFFFFF"/>
-                </a:solidFill>
-                <a:latin typeface="Adobe Clean"/>
-                <a:cs typeface="Adobe Clean"/>
-              </a:rPr>
-              <a:t>l</a:t>
-            </a:r>
-            <a:r>
-              <a:rPr sz="1200" b="1" spc="-25" dirty="0">
-                <a:solidFill>
-                  <a:srgbClr val="FFFFFF"/>
-                </a:solidFill>
-                <a:latin typeface="Adobe Clean"/>
-                <a:cs typeface="Adobe Clean"/>
-              </a:rPr>
-              <a:t>e</a:t>
-            </a:r>
-            <a:r>
-              <a:rPr sz="1200" b="1" dirty="0">
-                <a:solidFill>
-                  <a:srgbClr val="FFFFFF"/>
-                </a:solidFill>
-                <a:latin typeface="Adobe Clean"/>
-                <a:cs typeface="Adobe Clean"/>
-              </a:rPr>
-              <a:t>d  </a:t>
-            </a:r>
-            <a:r>
-              <a:rPr sz="1200" b="1" spc="-25" dirty="0">
-                <a:solidFill>
-                  <a:srgbClr val="FFFFFF"/>
-                </a:solidFill>
-                <a:latin typeface="Adobe Clean"/>
-                <a:cs typeface="Adobe Clean"/>
-              </a:rPr>
-              <a:t>Expertise</a:t>
+              <a:t>的专业知识</a:t>
             </a:r>
             <a:endParaRPr sz="1200" dirty="0">
               <a:latin typeface="Adobe Clean"/>
@@ -12357,7 +12498,7 @@
         <p:spPr>
           <a:xfrm>
             <a:off x="4732495" y="8541244"/>
-            <a:ext cx="810895" cy="382797"/>
+            <a:ext cx="810895" cy="203261"/>
           </a:xfrm>
           <a:prstGeom prst="rect">
             <a:avLst/>
@@ -12369,7 +12510,7 @@
           </a:bodyPr>
           <a:lstStyle/>
           <a:p>
-            <a:pPr marL="139065" marR="5080" indent="-139065">
+            <a:pPr marL="14288" marR="5080" indent="-14288" algn="ctr">
               <a:lnSpc>
                 <a:spcPts val="1390"/>
               </a:lnSpc>
@@ -12378,14 +12519,14 @@
               </a:spcBef>
             </a:pPr>
             <a:r>
-              <a:rPr lang="en-US" sz="1200" b="1" spc="-15" dirty="0">
+              <a:rPr lang="ja-jp" sz="1200" b="1" spc="-15" dirty="0">
                 <a:solidFill>
                   <a:srgbClr val="FFFFFF"/>
                 </a:solidFill>
                 <a:latin typeface="Adobe Clean"/>
                 <a:cs typeface="Adobe Clean"/>
               </a:rPr>
-              <a:t>Accelerated Support</a:t>
+              <a:t>加速支持</a:t>
             </a:r>
             <a:endParaRPr sz="1200" dirty="0">
               <a:latin typeface="Adobe Clean"/>
@@ -12421,7 +12562,7 @@
           </a:bodyPr>
           <a:lstStyle/>
           <a:p>
-            <a:pPr marL="50800" marR="5080" indent="-51435">
+            <a:pPr marL="14288" marR="5080" indent="-14288" algn="ctr">
               <a:lnSpc>
                 <a:spcPts val="1390"/>
               </a:lnSpc>
@@ -12430,104 +12571,44 @@
               </a:spcBef>
             </a:pPr>
             <a:r>
-              <a:rPr sz="1200" b="1" spc="-50" dirty="0">
+              <a:rPr lang="ja-jp" sz="1200" b="1" spc="-50" dirty="0">
                 <a:solidFill>
                   <a:srgbClr val="FFFFFF"/>
                 </a:solidFill>
                 <a:latin typeface="Adobe Clean"/>
                 <a:cs typeface="Adobe Clean"/>
               </a:rPr>
-              <a:t>S</a:t>
-            </a:r>
-            <a:r>
-              <a:rPr sz="1200" b="1" spc="-20" dirty="0">
+              <a:t>战</a:t>
+            </a:r>
+            <a:r>
+              <a:rPr lang="ja-jp" sz="1200" b="1" spc="-20" dirty="0">
                 <a:solidFill>
                   <a:srgbClr val="FFFFFF"/>
                 </a:solidFill>
                 <a:latin typeface="Adobe Clean"/>
                 <a:cs typeface="Adobe Clean"/>
               </a:rPr>
-              <a:t>t</a:t>
-            </a:r>
-            <a:r>
-              <a:rPr sz="1200" b="1" spc="-75" dirty="0">
+              <a:t>略</a:t>
+            </a:r>
+            <a:r>
+              <a:rPr lang="ja-jp" sz="1200" b="1" spc="-75" dirty="0">
                 <a:solidFill>
                   <a:srgbClr val="FFFFFF"/>
                 </a:solidFill>
                 <a:latin typeface="Adobe Clean"/>
                 <a:cs typeface="Adobe Clean"/>
               </a:rPr>
-              <a:t>r</a:t>
-            </a:r>
-            <a:r>
-              <a:rPr sz="1200" b="1" spc="-90" dirty="0">
+              <a:t>性</a:t>
+            </a:r>
+            <a:r>
+              <a:rPr lang="ja-jp" sz="1200" b="1" spc="-45" dirty="0">
                 <a:solidFill>
                   <a:srgbClr val="FFFFFF"/>
                 </a:solidFill>
                 <a:latin typeface="Adobe Clean"/>
                 <a:cs typeface="Adobe Clean"/>
               </a:rPr>
-              <a:t>a</a:t>
-            </a:r>
-            <a:r>
-              <a:rPr sz="1200" b="1" spc="-55" dirty="0">
-                <a:solidFill>
-                  <a:srgbClr val="FFFFFF"/>
-                </a:solidFill>
-                <a:latin typeface="Adobe Clean"/>
-                <a:cs typeface="Adobe Clean"/>
-              </a:rPr>
-              <a:t>t</a:t>
-            </a:r>
-            <a:r>
-              <a:rPr sz="1200" b="1" spc="-100" dirty="0">
-                <a:solidFill>
-                  <a:srgbClr val="FFFFFF"/>
-                </a:solidFill>
-                <a:latin typeface="Adobe Clean"/>
-                <a:cs typeface="Adobe Clean"/>
-              </a:rPr>
-              <a:t>e</a:t>
-            </a:r>
-            <a:r>
-              <a:rPr sz="1200" b="1" spc="-80" dirty="0">
-                <a:solidFill>
-                  <a:srgbClr val="FFFFFF"/>
-                </a:solidFill>
-                <a:latin typeface="Adobe Clean"/>
-                <a:cs typeface="Adobe Clean"/>
-              </a:rPr>
-              <a:t>g</a:t>
-            </a:r>
-            <a:r>
-              <a:rPr sz="1200" b="1" spc="-35" dirty="0">
-                <a:solidFill>
-                  <a:srgbClr val="FFFFFF"/>
-                </a:solidFill>
-                <a:latin typeface="Adobe Clean"/>
-                <a:cs typeface="Adobe Clean"/>
-              </a:rPr>
-              <a:t>i</a:t>
-            </a:r>
-            <a:r>
-              <a:rPr sz="1200" b="1" dirty="0">
-                <a:solidFill>
-                  <a:srgbClr val="FFFFFF"/>
-                </a:solidFill>
-                <a:latin typeface="Adobe Clean"/>
-                <a:cs typeface="Adobe Clean"/>
-              </a:rPr>
-              <a:t>c  </a:t>
-            </a:r>
-            <a:r>
-              <a:rPr sz="1200" b="1" spc="-45" dirty="0">
-                <a:solidFill>
-                  <a:srgbClr val="FFFFFF"/>
-                </a:solidFill>
-                <a:latin typeface="Adobe Clean"/>
-                <a:cs typeface="Adobe Clean"/>
-              </a:rPr>
-              <a:t>Advice</a:t>
+              <a:t>建议</a:t>
             </a:r>
             <a:endParaRPr sz="1200" dirty="0">
               <a:latin typeface="Adobe Clean"/>
@@ -12538,7 +12619,7 @@
       </p:sp>
       <p:pic>
         <p:nvPicPr>
-          <p:cNvPr id="8" name="Graphic 7" descr="Target outline">
+          <p:cNvPr id="8" name="Graphic 7" descr="目标轮廓图">
             <a:extLst>
               <a:ext uri="{FF2B5EF4-FFF2-40B4-BE49-F238E27FC236}">
                 <a16:creationId xmlns:a16="http://schemas.microsoft.com/office/drawing/2014/main" id="{1EAA263E-04A7-0D46-952E-EA3033B45116}"/>
@@ -12577,7 +12658,7 @@
       </p:pic>
       <p:pic>
         <p:nvPicPr>
-          <p:cNvPr id="10" name="Graphic 9" descr="Rocket outline">
+          <p:cNvPr id="10" name="Graphic 9" descr="火箭轮廓图">
             <a:extLst>
               <a:ext uri="{FF2B5EF4-FFF2-40B4-BE49-F238E27FC236}">
                 <a16:creationId xmlns:a16="http://schemas.microsoft.com/office/drawing/2014/main" id="{A068EBC3-B418-4E4A-A520-101CA4B39F23}"/>
@@ -12616,7 +12697,7 @@
       </p:pic>
       <p:pic>
         <p:nvPicPr>
-          <p:cNvPr id="12" name="Graphic 11" descr="Medal outline">
+          <p:cNvPr id="12" name="Graphic 11" descr="勋章轮廓图">
             <a:extLst>
               <a:ext uri="{FF2B5EF4-FFF2-40B4-BE49-F238E27FC236}">
                 <a16:creationId xmlns:a16="http://schemas.microsoft.com/office/drawing/2014/main" id="{C7BEFC2D-0CA6-0448-B9FA-6E1581CA6D36}"/>
@@ -12668,14 +12749,14 @@
           <p:nvPr>
             <p:extLst>
               <p:ext uri="{D42A27DB-BD31-4B8C-83A1-F6EECF244321}">
-                <p14:modId xmlns:p14="http://schemas.microsoft.com/office/powerpoint/2010/main" val="1483737908"/>
+                <p14:modId xmlns:p14="http://schemas.microsoft.com/office/powerpoint/2010/main" val="4061550315"/>
               </p:ext>
             </p:extLst>
           </p:nvPr>
         </p:nvGraphicFramePr>
         <p:xfrm>
           <a:off x="194237" y="1272353"/>
-          <a:ext cx="7368291" cy="2473960"/>
+          <a:ext cx="7368291" cy="2016760"/>
         </p:xfrm>
         <a:graphic>
           <a:graphicData uri="http://schemas.openxmlformats.org/drawingml/2006/table">
@@ -12709,7 +12790,7 @@
                         <a:buNone/>
                       </a:pPr>
                       <a:r>
-                        <a:rPr lang="en-US" sz="1200" b="0" strike="noStrike" dirty="0">
+                        <a:rPr lang="ja-jp" sz="1200" b="0" strike="noStrike" dirty="0">
                           <a:solidFill>
                             <a:srgbClr val="5F5F5F"/>
                           </a:solidFill>
@@ -12718,9 +12799,9 @@
                           <a:cs typeface="+mn-cs"/>
                           <a:hlinkClick r:id="rId14"/>
                         </a:rPr>
-                        <a:t>Enterprise Learn &amp; Support</a:t>
+                        <a:t>企业学习和支持</a:t>
                       </a:r>
-                      <a:endParaRPr lang="en-US"/>
+                      <a:endParaRPr lang="en-US" dirty="0"/>
                     </a:p>
                   </a:txBody>
                   <a:tcPr marL="47625" marR="47625" marT="0" marB="0" anchor="ctr">
@@ -12792,7 +12873,7 @@
                         <a:buNone/>
                       </a:pPr>
                       <a:r>
-                        <a:rPr lang="en-US" sz="1000" b="0" strike="noStrike" kern="1200" dirty="0">
+                        <a:rPr lang="ja-jp" sz="1000" b="0" strike="noStrike" kern="1200" dirty="0">
                           <a:solidFill>
                             <a:schemeClr val="tx1"/>
                           </a:solidFill>
@@ -12800,7 +12881,50 @@
                           <a:ea typeface="+mn-ea"/>
                           <a:cs typeface="+mn-cs"/>
                         </a:rPr>
-                        <a:t>Enterprise Learn &amp; Support is a place where Adobe customers can find self-help tutorials, product documentation, instructor-led training, community and support for select Adobe Creative Cloud and Document products.</a:t>
+                        <a:t>企业学习和支持为 Adobe 客户提供针对精选 Adobe Creative Cloud 和文档产品的自助教程、产品文档、讲师指导的培</a:t>
+                      </a:r>
+                      <a:r>
+                        <a:rPr lang="ja-jp" sz="1000" b="0" strike="noStrike" kern="1200">
+                          <a:solidFill>
+                            <a:schemeClr val="tx1"/>
+                          </a:solidFill>
+                          <a:latin typeface="Adobe Clean Light"/>
+                          <a:ea typeface="+mn-ea"/>
+                          <a:cs typeface="+mn-cs"/>
+                        </a:rPr>
+                        <a:t>训、</a:t>
+                      </a:r>
+                      <a:br>
+                        <a:rPr lang="en-US" altLang="ja-JP" sz="1000" b="0" strike="noStrike" kern="1200" dirty="0">
+                          <a:solidFill>
+                            <a:schemeClr val="tx1"/>
+                          </a:solidFill>
+                          <a:latin typeface="Adobe Clean Light"/>
+                          <a:ea typeface="+mn-ea"/>
+                          <a:cs typeface="+mn-cs"/>
+                        </a:rPr>
+                      </a:br>
+                      <a:r>
+                        <a:rPr lang="ja-jp" sz="1000" b="0" strike="noStrike" kern="1200">
+                          <a:solidFill>
+                            <a:schemeClr val="tx1"/>
+                          </a:solidFill>
+                          <a:latin typeface="Adobe Clean Light"/>
+                          <a:ea typeface="+mn-ea"/>
+                          <a:cs typeface="+mn-cs"/>
+                        </a:rPr>
+                        <a:t>社</a:t>
+                      </a:r>
+                      <a:r>
+                        <a:rPr lang="ja-jp" sz="1000" b="0" strike="noStrike" kern="1200" dirty="0">
+                          <a:solidFill>
+                            <a:schemeClr val="tx1"/>
+                          </a:solidFill>
+                          <a:latin typeface="Adobe Clean Light"/>
+                          <a:ea typeface="+mn-ea"/>
+                          <a:cs typeface="+mn-cs"/>
+                        </a:rPr>
+                        <a:t>区和技术支持。</a:t>
                       </a:r>
                     </a:p>
                   </a:txBody>
@@ -12882,7 +13006,7 @@
                         <a:defRPr/>
                       </a:pPr>
                       <a:r>
-                        <a:rPr lang="en-US" sz="1200" strike="noStrike" dirty="0">
+                        <a:rPr lang="ja-jp" sz="1200" strike="noStrike" dirty="0">
                           <a:solidFill>
                             <a:srgbClr val="5F5F5F"/>
                           </a:solidFill>
@@ -12898,7 +13022,7 @@
                             </a:extLst>
                           </a:hlinkClick>
                         </a:rPr>
-                        <a:t>Adobe Support Community </a:t>
+                        <a:t>Adobe 支持社区</a:t>
                       </a:r>
                       <a:endParaRPr lang="en-US" sz="1200" strike="noStrike" dirty="0">
                         <a:solidFill>
@@ -12982,7 +13106,7 @@
                         <a:defRPr/>
                       </a:pPr>
                       <a:r>
-                        <a:rPr lang="en-US" sz="1000" strike="noStrike" kern="1200" dirty="0">
+                        <a:rPr lang="ja-jp" sz="1000" strike="noStrike" kern="1200" dirty="0">
                           <a:solidFill>
                             <a:schemeClr val="tx1"/>
                           </a:solidFill>
@@ -12990,7 +13114,7 @@
                           <a:ea typeface="+mn-ea"/>
                           <a:cs typeface="+mn-cs"/>
                         </a:rPr>
-                        <a:t>The Adobe Support Community is the place to ask questions, find answers, learn from experts and share your knowledge.</a:t>
+                        <a:t>Adobe 支持社区是提出问题、找到答案、向专家学习和分享知识的场所。</a:t>
                       </a:r>
                       <a:endParaRPr lang="en-US" sz="1000" strike="noStrike" kern="1200" dirty="0">
                         <a:solidFill>
@@ -13083,7 +13207,7 @@
                         <a:defRPr/>
                       </a:pPr>
                       <a:r>
-                        <a:rPr lang="en-US" sz="1200" dirty="0">
+                        <a:rPr lang="ja-jp" sz="1200" dirty="0">
                           <a:solidFill>
                             <a:srgbClr val="5F5F5F"/>
                           </a:solidFill>
@@ -13099,7 +13223,7 @@
                             </a:extLst>
                           </a:hlinkClick>
                         </a:rPr>
-                        <a:t>Production Issues &amp; System Outages</a:t>
+                        <a:t>生产问题和系统中断</a:t>
                       </a:r>
                       <a:endParaRPr lang="en-US" sz="1200" dirty="0">
                         <a:solidFill>
@@ -13183,7 +13307,7 @@
                         <a:defRPr/>
                       </a:pPr>
                       <a:r>
-                        <a:rPr lang="en-US" sz="1000" kern="1200" dirty="0">
+                        <a:rPr lang="ja-jp" sz="1000" kern="1200" dirty="0">
                           <a:solidFill>
                             <a:schemeClr val="tx1"/>
                           </a:solidFill>
@@ -13191,7 +13315,61 @@
                           <a:ea typeface="+mn-ea"/>
                           <a:cs typeface="+mn-cs"/>
                         </a:rPr>
-                        <a:t>Status.adobe.com conveys the health information of all Adobe products and services that are deployed in multi-tenant environments. Customers can choose their subscription preferences to get email notifications whenever Adobe creates, updates or resolves a product event. This can include scheduled maintenance or service issues of varying levels of severity. </a:t>
+                        <a:t>Status.adobe.com 传达在多租户环境中部署的所有 Adobe 产品和服务的运行状况信息。客户可以选择他们的订阅偏好</a:t>
+                      </a:r>
+                      <a:r>
+                        <a:rPr lang="ja-jp" sz="1000" kern="1200">
+                          <a:solidFill>
+                            <a:schemeClr val="tx1"/>
+                          </a:solidFill>
+                          <a:latin typeface="Adobe Clean Light" panose="020B0303020404020204" pitchFamily="34" charset="0"/>
+                          <a:ea typeface="+mn-ea"/>
+                          <a:cs typeface="+mn-cs"/>
+                        </a:rPr>
+                        <a:t>设置</a:t>
+                      </a:r>
+                      <a:r>
+                        <a:rPr lang="ja-JP" altLang="en-US" sz="1000" kern="1200">
+                          <a:solidFill>
+                            <a:schemeClr val="tx1"/>
+                          </a:solidFill>
+                          <a:latin typeface="Adobe Clean Light" panose="020B0303020404020204" pitchFamily="34" charset="0"/>
+                          <a:ea typeface="+mn-ea"/>
+                          <a:cs typeface="+mn-cs"/>
+                        </a:rPr>
+                        <a:t>、</a:t>
+                      </a:r>
+                      <a:br>
+                        <a:rPr lang="en-US" altLang="ja-JP" sz="1000" kern="1200" dirty="0">
+                          <a:solidFill>
+                            <a:schemeClr val="tx1"/>
+                          </a:solidFill>
+                          <a:latin typeface="Adobe Clean Light" panose="020B0303020404020204" pitchFamily="34" charset="0"/>
+                          <a:ea typeface="+mn-ea"/>
+                          <a:cs typeface="+mn-cs"/>
+                        </a:rPr>
+                      </a:br>
+                      <a:r>
+                        <a:rPr lang="ja-jp" sz="1000" kern="1200">
+                          <a:solidFill>
+                            <a:schemeClr val="tx1"/>
+                          </a:solidFill>
+                          <a:latin typeface="Adobe Clean Light" panose="020B0303020404020204" pitchFamily="34" charset="0"/>
+                          <a:ea typeface="+mn-ea"/>
+                          <a:cs typeface="+mn-cs"/>
+                        </a:rPr>
+                        <a:t>以</a:t>
+                      </a:r>
+                      <a:r>
+                        <a:rPr lang="ja-jp" sz="1000" kern="1200" dirty="0">
+                          <a:solidFill>
+                            <a:schemeClr val="tx1"/>
+                          </a:solidFill>
+                          <a:latin typeface="Adobe Clean Light" panose="020B0303020404020204" pitchFamily="34" charset="0"/>
+                          <a:ea typeface="+mn-ea"/>
+                          <a:cs typeface="+mn-cs"/>
+                        </a:rPr>
+                        <a:t>便在 Adobe 创建、更新或处理产品事件时收到电子邮件通知。这可能包括严重性不同的定期维护或服务问题。</a:t>
                       </a:r>
                     </a:p>
                   </a:txBody>
@@ -13273,7 +13451,7 @@
                         <a:defRPr/>
                       </a:pPr>
                       <a:r>
-                        <a:rPr lang="en-US" sz="1200" dirty="0">
+                        <a:rPr lang="ja-jp" sz="1200" dirty="0">
                           <a:solidFill>
                             <a:srgbClr val="5F5F5F"/>
                           </a:solidFill>
@@ -13289,7 +13467,7 @@
                             </a:extLst>
                           </a:hlinkClick>
                         </a:rPr>
-                        <a:t>Terms and Conditions</a:t>
+                        <a:t>条款和条件</a:t>
                       </a:r>
                       <a:endParaRPr lang="en-US" sz="1200" dirty="0">
                         <a:solidFill>
@@ -13356,7 +13534,7 @@
                     <a:lstStyle/>
                     <a:p>
                       <a:r>
-                        <a:rPr lang="en-US" sz="1000" kern="1200" dirty="0">
+                        <a:rPr lang="ja-jp" sz="1000" kern="1200" dirty="0">
                           <a:solidFill>
                             <a:schemeClr val="tx1"/>
                           </a:solidFill>
@@ -13364,7 +13542,7 @@
                           <a:ea typeface="+mn-ea"/>
                           <a:cs typeface="+mn-cs"/>
                         </a:rPr>
-                        <a:t>Terms and conditions detailing Support Services offerings.</a:t>
+                        <a:t>详细说明支持服务产品的条款和条件。</a:t>
                       </a:r>
                     </a:p>
                   </a:txBody>
